--- a/lectures/lecture-18/Lecture-Live B00/Lecture 18 - Lecture.pptx
+++ b/lectures/lecture-18/Lecture-Live B00/Lecture 18 - Lecture.pptx
@@ -144,6 +144,518 @@
     </p:ext>
   </p:extLst>
 </p:presentation>
+</file>
+
+<file path=ppt/ink/ink1.xml><?xml version="1.0" encoding="utf-8"?>
+<inkml:ink xmlns:inkml="http://www.w3.org/2003/InkML">
+  <inkml:definitions>
+    <inkml:context xml:id="ctx0">
+      <inkml:inkSource xml:id="inkSrc0">
+        <inkml:traceFormat>
+          <inkml:channel name="X" type="integer" min="-2.14748E9" max="2.14748E9" units="cm"/>
+          <inkml:channel name="Y" type="integer" min="-2.14748E9" max="2.14748E9" units="cm"/>
+          <inkml:channel name="F" type="integer" max="32767" units="dev"/>
+          <inkml:channel name="OA" type="integer" max="360" units="deg"/>
+          <inkml:channel name="OE" type="integer" max="90" units="deg"/>
+        </inkml:traceFormat>
+        <inkml:channelProperties>
+          <inkml:channelProperty channel="X" name="resolution" value="1000" units="1/cm"/>
+          <inkml:channelProperty channel="Y" name="resolution" value="1000" units="1/cm"/>
+          <inkml:channelProperty channel="F" name="resolution" value="0" units="1/dev"/>
+          <inkml:channelProperty channel="OA" name="resolution" value="1000" units="1/deg"/>
+          <inkml:channelProperty channel="OE" name="resolution" value="1000" units="1/deg"/>
+        </inkml:channelProperties>
+      </inkml:inkSource>
+      <inkml:timestamp xml:id="ts0" timeString="2020-11-16T18:00:27.832"/>
+    </inkml:context>
+    <inkml:brush xml:id="br0">
+      <inkml:brushProperty name="width" value="0.05" units="cm"/>
+      <inkml:brushProperty name="height" value="0.05" units="cm"/>
+      <inkml:brushProperty name="color" value="#004F8B"/>
+    </inkml:brush>
+  </inkml:definitions>
+  <inkml:trace contextRef="#ctx0" brushRef="#br0">12 50 5760 0 0,'0'0'520'0'0,"-4"-16"1008"0"0,-4-16 6192 0 0,10 32-7480 0 0,-1-1 0 0 0,1 1 1 0 0,-1 0-1 0 0,1 0 0 0 0,-1 0 1 0 0,1 0-1 0 0,-1 0 0 0 0,1 0 1 0 0,-1 0-1 0 0,0 1 1 0 0,1-1-1 0 0,-1 0 0 0 0,3 2 1 0 0,-2-1 112 0 0,21 3 1089 0 0,1-1-1 0 0,42 0 0 0 0,48-8 84 0 0,-3 0-514 0 0,281 14 698 0 0,-366-9-1606 0 0,89-2 418 0 0,157-3 558 0 0,-249 5-982 0 0,200 13 823 0 0,-188-8-681 0 0,-20-2-163 0 0,0-1 0 0 0,16 0 0 0 0,48 5 201 0 0,-60-3-40 0 0,-15-3-177 0 0,0 0 0 0 0,0 0 0 0 0,0 0 0 0 0,0-1 0 0 0,7 1 0 0 0,-11-1-53 0 0,0 0 0 0 0,1 0 0 0 0,-1 0-1 0 0,1 0 1 0 0,-1-1 0 0 0,0 1-1 0 0,1 0 1 0 0,-1 0 0 0 0,0 0 0 0 0,1 0-1 0 0,-1 0 1 0 0,0-1 0 0 0,1 1 0 0 0,-1 0-1 0 0,0 0 1 0 0,1 0 0 0 0,-1-1-1 0 0,0 1 1 0 0,0 0 0 0 0,1-1 0 0 0,-1 1-1 0 0,1-1 4 0 0,-1 0 0 0 0,1 1-1 0 0,0-1 1 0 0,0 0 0 0 0,-1 1 0 0 0,1-1-1 0 0,0 1 1 0 0,0-1 0 0 0,0 1-1 0 0,-1-1 1 0 0,1 1 0 0 0,0 0 0 0 0,0-1-1 0 0,0 1 1 0 0,0 0 0 0 0,0 0-1 0 0,1 0 1 0 0,2-1-10 0 0,-4 1 0 0 0,1 0 0 0 0,0 0 0 0 0,0 0 0 0 0,0-1 0 0 0,-1 1 0 0 0,1 0 0 0 0,0-1 0 0 0,0 1 0 0 0,-1-1 0 0 0,1 1 0 0 0,0-1 0 0 0,-1 1 0 0 0,1-1 0 0 0,-1 0 0 0 0,1 1 0 0 0,0-1 0 0 0,0 0 0 0 0,2-3 0 0 0,4-8-39 0 0,-6 11-153 0 0,0-1-1946 0 0,0 0 1019 0 0</inkml:trace>
+</inkml:ink>
+</file>
+
+<file path=ppt/ink/ink10.xml><?xml version="1.0" encoding="utf-8"?>
+<inkml:ink xmlns:inkml="http://www.w3.org/2003/InkML">
+  <inkml:definitions>
+    <inkml:context xml:id="ctx0">
+      <inkml:inkSource xml:id="inkSrc0">
+        <inkml:traceFormat>
+          <inkml:channel name="X" type="integer" min="-2.14748E9" max="2.14748E9" units="cm"/>
+          <inkml:channel name="Y" type="integer" min="-2.14748E9" max="2.14748E9" units="cm"/>
+          <inkml:channel name="F" type="integer" max="32767" units="dev"/>
+          <inkml:channel name="OA" type="integer" max="360" units="deg"/>
+          <inkml:channel name="OE" type="integer" max="90" units="deg"/>
+        </inkml:traceFormat>
+        <inkml:channelProperties>
+          <inkml:channelProperty channel="X" name="resolution" value="1000" units="1/cm"/>
+          <inkml:channelProperty channel="Y" name="resolution" value="1000" units="1/cm"/>
+          <inkml:channelProperty channel="F" name="resolution" value="0" units="1/dev"/>
+          <inkml:channelProperty channel="OA" name="resolution" value="1000" units="1/deg"/>
+          <inkml:channelProperty channel="OE" name="resolution" value="1000" units="1/deg"/>
+        </inkml:channelProperties>
+      </inkml:inkSource>
+      <inkml:timestamp xml:id="ts0" timeString="2020-11-16T18:00:45.489"/>
+    </inkml:context>
+    <inkml:brush xml:id="br0">
+      <inkml:brushProperty name="width" value="0.05" units="cm"/>
+      <inkml:brushProperty name="height" value="0.05" units="cm"/>
+      <inkml:brushProperty name="color" value="#004F8B"/>
+    </inkml:brush>
+  </inkml:definitions>
+  <inkml:trace contextRef="#ctx0" brushRef="#br0">31 43 7368 0 0,'0'0'333'0'0,"3"-12"134"0"0,0-18 12463 0 0,-4 30-12845 0 0,1 0 1 0 0,-1 0-1 0 0,1 1 1 0 0,-1-1-1 0 0,1 0 0 0 0,-1 1 1 0 0,1-1-1 0 0,-1 0 1 0 0,1 1-1 0 0,-1-1 1 0 0,1 1-1 0 0,-1-1 0 0 0,1 1 1 0 0,0-1-1 0 0,-1 1 1 0 0,1-1-1 0 0,0 1 0 0 0,-1-1 1 0 0,1 1-1 0 0,0-1 1 0 0,0 2-1 0 0,-6 15 95 0 0,5-14-12 0 0,-4 12 14 0 0,1 0 0 0 0,0 0 0 0 0,1 0 0 0 0,1 1 0 0 0,1-1 0 0 0,0 26 0 0 0,7-10 165 0 0,-6-29-315 0 0,0-1 1 0 0,1 1-1 0 0,-1-1 0 0 0,1 1 1 0 0,-1-1-1 0 0,1 1 0 0 0,0-1 0 0 0,0 0 1 0 0,0 1-1 0 0,-1-1 0 0 0,1 0 1 0 0,0 0-1 0 0,1 1 0 0 0,-1-1 1 0 0,0 0-1 0 0,2 1 0 0 0,-2-2 4 0 0,1 1 0 0 0,-1-1 0 0 0,1 0-1 0 0,0 1 1 0 0,-1-1 0 0 0,1 0 0 0 0,0 0-1 0 0,-1 0 1 0 0,1 0 0 0 0,-1-1 0 0 0,1 1 0 0 0,0 0-1 0 0,-1-1 1 0 0,1 1 0 0 0,-1-1 0 0 0,1 1 0 0 0,-1-1-1 0 0,1 0 1 0 0,-1 0 0 0 0,1 0 0 0 0,1-2-1 0 0,3-2 69 0 0,0 0-1 0 0,0 0 0 0 0,6-9 0 0 0,-4 5 9 0 0,10-12 215 0 0,17-24-1 0 0,1-3 549 0 0,-36 48-868 0 0,1-1 1 0 0,-1 1-1 0 0,1-1 1 0 0,-1 0-1 0 0,1 1 0 0 0,-1-1 1 0 0,1 1-1 0 0,0-1 0 0 0,-1 1 1 0 0,1-1-1 0 0,-1 1 0 0 0,1 0 1 0 0,0-1-1 0 0,-1 1 0 0 0,1 0 1 0 0,0 0-1 0 0,0-1 0 0 0,-1 1 1 0 0,1 0-1 0 0,1 0 0 0 0,-1 0 6 0 0,-1 0-1 0 0,1 0 1 0 0,0 1-1 0 0,-1-1 1 0 0,1 0-1 0 0,-1 1 1 0 0,1-1-1 0 0,-1 0 0 0 0,0 1 1 0 0,1-1-1 0 0,-1 1 1 0 0,1-1-1 0 0,-1 1 1 0 0,0-1-1 0 0,1 1 0 0 0,-1-1 1 0 0,0 1-1 0 0,1-1 1 0 0,-1 1-1 0 0,0 0 1 0 0,2 5 103 0 0,0 0 1 0 0,0 0 0 0 0,1 13-1 0 0,-2-11-78 0 0,-1-4-24 0 0,0 0 0 0 0,0 1 0 0 0,0-1 0 0 0,0 0 0 0 0,-1 0 0 0 0,1 1 0 0 0,-3 5 0 0 0,2-3-45 0 0,-1 0 1 0 0,1 1-1 0 0,0 9 0 0 0,6-24-6082 0 0,-2-1 3781 0 0</inkml:trace>
+</inkml:ink>
+</file>
+
+<file path=ppt/ink/ink11.xml><?xml version="1.0" encoding="utf-8"?>
+<inkml:ink xmlns:inkml="http://www.w3.org/2003/InkML">
+  <inkml:definitions>
+    <inkml:context xml:id="ctx0">
+      <inkml:inkSource xml:id="inkSrc0">
+        <inkml:traceFormat>
+          <inkml:channel name="X" type="integer" min="-2.14748E9" max="2.14748E9" units="cm"/>
+          <inkml:channel name="Y" type="integer" min="-2.14748E9" max="2.14748E9" units="cm"/>
+          <inkml:channel name="F" type="integer" max="32767" units="dev"/>
+          <inkml:channel name="OA" type="integer" max="360" units="deg"/>
+          <inkml:channel name="OE" type="integer" max="90" units="deg"/>
+        </inkml:traceFormat>
+        <inkml:channelProperties>
+          <inkml:channelProperty channel="X" name="resolution" value="1000" units="1/cm"/>
+          <inkml:channelProperty channel="Y" name="resolution" value="1000" units="1/cm"/>
+          <inkml:channelProperty channel="F" name="resolution" value="0" units="1/dev"/>
+          <inkml:channelProperty channel="OA" name="resolution" value="1000" units="1/deg"/>
+          <inkml:channelProperty channel="OE" name="resolution" value="1000" units="1/deg"/>
+        </inkml:channelProperties>
+      </inkml:inkSource>
+      <inkml:timestamp xml:id="ts0" timeString="2020-11-16T18:00:45.854"/>
+    </inkml:context>
+    <inkml:brush xml:id="br0">
+      <inkml:brushProperty name="width" value="0.05" units="cm"/>
+      <inkml:brushProperty name="height" value="0.05" units="cm"/>
+      <inkml:brushProperty name="color" value="#004F8B"/>
+    </inkml:brush>
+  </inkml:definitions>
+  <inkml:trace contextRef="#ctx0" brushRef="#br0">0 9 15664 0 0,'0'0'718'0'0,"1"-1"-19"0"0,10-7 1737 0 0,-5 9 438 0 0,-3 4-2672 0 0,1-1 0 0 0,-1 1-1 0 0,0 0 1 0 0,0 0-1 0 0,0 0 1 0 0,-1 0 0 0 0,1 0-1 0 0,-1 0 1 0 0,-1 1-1 0 0,1-1 1 0 0,1 11 0 0 0,-1 4 29 0 0,0 0-1 0 0,-1 21 1 0 0,-11 61 1155 0 0,10-101-761 0 0,0-4-551 0 0,0 0 1 0 0,0 0 0 0 0,0 0-1 0 0,1 0 1 0 0,-1 0 0 0 0,1 0-1 0 0,0 1 1 0 0,-1-1 0 0 0,1 0-1 0 0,3-5 1 0 0,0-1 137 0 0,0-1-73 0 0,1-1 0 0 0,0 1 0 0 0,0 0 0 0 0,1 0 0 0 0,1 1 0 0 0,0-1 0 0 0,0 2 0 0 0,0-1 0 0 0,1 1 0 0 0,1 0 0 0 0,13-10 0 0 0,-11 11-130 0 0,1-2 92 0 0,1 1 0 0 0,0 1 0 0 0,19-8 1 0 0,-28 13-204 0 0,0 1 1 0 0,0-1 0 0 0,1 1-1 0 0,-1 0 1 0 0,1 1 0 0 0,-1-1-1 0 0,1 1 1 0 0,-1 0 0 0 0,0 0-1 0 0,1 0 1 0 0,-1 1 0 0 0,1 0-1 0 0,-1-1 1 0 0,1 2-1 0 0,7 2 1 0 0,4 3-2231 0 0,-1 1-4944 0 0</inkml:trace>
+</inkml:ink>
+</file>
+
+<file path=ppt/ink/ink12.xml><?xml version="1.0" encoding="utf-8"?>
+<inkml:ink xmlns:inkml="http://www.w3.org/2003/InkML">
+  <inkml:definitions>
+    <inkml:context xml:id="ctx0">
+      <inkml:inkSource xml:id="inkSrc0">
+        <inkml:traceFormat>
+          <inkml:channel name="X" type="integer" min="-2.14748E9" max="2.14748E9" units="cm"/>
+          <inkml:channel name="Y" type="integer" min="-2.14748E9" max="2.14748E9" units="cm"/>
+          <inkml:channel name="F" type="integer" max="32767" units="dev"/>
+          <inkml:channel name="OA" type="integer" max="360" units="deg"/>
+          <inkml:channel name="OE" type="integer" max="90" units="deg"/>
+        </inkml:traceFormat>
+        <inkml:channelProperties>
+          <inkml:channelProperty channel="X" name="resolution" value="1000" units="1/cm"/>
+          <inkml:channelProperty channel="Y" name="resolution" value="1000" units="1/cm"/>
+          <inkml:channelProperty channel="F" name="resolution" value="0" units="1/dev"/>
+          <inkml:channelProperty channel="OA" name="resolution" value="1000" units="1/deg"/>
+          <inkml:channelProperty channel="OE" name="resolution" value="1000" units="1/deg"/>
+        </inkml:channelProperties>
+      </inkml:inkSource>
+      <inkml:timestamp xml:id="ts0" timeString="2020-11-16T18:00:55.736"/>
+    </inkml:context>
+    <inkml:brush xml:id="br0">
+      <inkml:brushProperty name="width" value="0.05" units="cm"/>
+      <inkml:brushProperty name="height" value="0.05" units="cm"/>
+      <inkml:brushProperty name="color" value="#004F8B"/>
+    </inkml:brush>
+  </inkml:definitions>
+  <inkml:trace contextRef="#ctx0" brushRef="#br0">5 143 11976 0 0,'-1'-1'125'0'0,"1"0"0"0"0,-1-1 0 0 0,1 1 0 0 0,-1 0 0 0 0,1-1 0 0 0,-1 1 0 0 0,1 0 0 0 0,0-1 0 0 0,0 1 0 0 0,0-2 0 0 0,0 2 180 0 0,0 1-1 0 0,0-1 1 0 0,0 0-1 0 0,1 0 1 0 0,-1 0-1 0 0,0 0 1 0 0,1 0-1 0 0,-1 0 1 0 0,1 1-1 0 0,-1-1 1 0 0,1 0-1 0 0,-1 0 1 0 0,1 1-1 0 0,0-1 0 0 0,-1 0 1 0 0,2 0-1 0 0,31-24 4179 0 0,25-5-2785 0 0,-13 7-1280 0 0,-34 17-315 0 0,1 0 0 0 0,0 1 0 0 0,0 1 0 0 0,18-5 0 0 0,3 4-8281 0 0</inkml:trace>
+</inkml:ink>
+</file>
+
+<file path=ppt/ink/ink13.xml><?xml version="1.0" encoding="utf-8"?>
+<inkml:ink xmlns:inkml="http://www.w3.org/2003/InkML">
+  <inkml:definitions>
+    <inkml:context xml:id="ctx0">
+      <inkml:inkSource xml:id="inkSrc0">
+        <inkml:traceFormat>
+          <inkml:channel name="X" type="integer" min="-2.14748E9" max="2.14748E9" units="cm"/>
+          <inkml:channel name="Y" type="integer" min="-2.14748E9" max="2.14748E9" units="cm"/>
+          <inkml:channel name="F" type="integer" max="32767" units="dev"/>
+          <inkml:channel name="OA" type="integer" max="360" units="deg"/>
+          <inkml:channel name="OE" type="integer" max="90" units="deg"/>
+        </inkml:traceFormat>
+        <inkml:channelProperties>
+          <inkml:channelProperty channel="X" name="resolution" value="1000" units="1/cm"/>
+          <inkml:channelProperty channel="Y" name="resolution" value="1000" units="1/cm"/>
+          <inkml:channelProperty channel="F" name="resolution" value="0" units="1/dev"/>
+          <inkml:channelProperty channel="OA" name="resolution" value="1000" units="1/deg"/>
+          <inkml:channelProperty channel="OE" name="resolution" value="1000" units="1/deg"/>
+        </inkml:channelProperties>
+      </inkml:inkSource>
+      <inkml:timestamp xml:id="ts0" timeString="2020-11-16T18:00:56.195"/>
+    </inkml:context>
+    <inkml:brush xml:id="br0">
+      <inkml:brushProperty name="width" value="0.05" units="cm"/>
+      <inkml:brushProperty name="height" value="0.05" units="cm"/>
+      <inkml:brushProperty name="color" value="#004F8B"/>
+    </inkml:brush>
+  </inkml:definitions>
+  <inkml:trace contextRef="#ctx0" brushRef="#br0">344 1 15520 0 0,'-11'9'1653'0'0,"8"-2"-1355"0"0,0-1-1 0 0,0 1 1 0 0,1 0 0 0 0,0-1 0 0 0,1 1 0 0 0,-1 0-1 0 0,1 0 1 0 0,1 0 0 0 0,-1 12 0 0 0,-2 14 356 0 0,-26 244 1086 0 0,8-57-950 0 0,7-101-415 0 0,-31 223 262 0 0,27-229-574 0 0,-14 80 14 0 0,16-112-61 0 0,-13 61-656 0 0,15-81 608 0 0,-15 53 1618 0 0,8-51-941 0 0,-20 107 0 0 0,40-165-627 0 0,0 0 0 0 0,1 1 1 0 0,0-1-1 0 0,0 1 0 0 0,0-1 0 0 0,1 0 0 0 0,-1 1 0 0 0,1-1 0 0 0,1 0 1 0 0,-1 0-1 0 0,4 7 0 0 0,-4-9 3 0 0,0-1 1 0 0,0 1-1 0 0,1-1 1 0 0,-1 0-1 0 0,1 1 0 0 0,0-1 1 0 0,0 0-1 0 0,-1 0 1 0 0,1 0-1 0 0,1 0 1 0 0,-1 0-1 0 0,0-1 0 0 0,0 1 1 0 0,1-1-1 0 0,-1 1 1 0 0,1-1-1 0 0,-1 0 1 0 0,1 0-1 0 0,-1 0 0 0 0,1 0 1 0 0,0-1-1 0 0,0 1 1 0 0,3 0-1 0 0,16-1 58 0 0,0-1 1 0 0,0 0-1 0 0,36-8 0 0 0,-31 4-17 0 0,50-2-1 0 0,31 15-1199 0 0,-58-3-1113 0 0,-20-2 848 0 0</inkml:trace>
+</inkml:ink>
+</file>
+
+<file path=ppt/ink/ink14.xml><?xml version="1.0" encoding="utf-8"?>
+<inkml:ink xmlns:inkml="http://www.w3.org/2003/InkML">
+  <inkml:definitions>
+    <inkml:context xml:id="ctx0">
+      <inkml:inkSource xml:id="inkSrc0">
+        <inkml:traceFormat>
+          <inkml:channel name="X" type="integer" min="-2.14748E9" max="2.14748E9" units="cm"/>
+          <inkml:channel name="Y" type="integer" min="-2.14748E9" max="2.14748E9" units="cm"/>
+          <inkml:channel name="F" type="integer" max="32767" units="dev"/>
+          <inkml:channel name="OA" type="integer" max="360" units="deg"/>
+          <inkml:channel name="OE" type="integer" max="90" units="deg"/>
+        </inkml:traceFormat>
+        <inkml:channelProperties>
+          <inkml:channelProperty channel="X" name="resolution" value="1000" units="1/cm"/>
+          <inkml:channelProperty channel="Y" name="resolution" value="1000" units="1/cm"/>
+          <inkml:channelProperty channel="F" name="resolution" value="0" units="1/dev"/>
+          <inkml:channelProperty channel="OA" name="resolution" value="1000" units="1/deg"/>
+          <inkml:channelProperty channel="OE" name="resolution" value="1000" units="1/deg"/>
+        </inkml:channelProperties>
+      </inkml:inkSource>
+      <inkml:timestamp xml:id="ts0" timeString="2020-11-16T18:01:04.620"/>
+    </inkml:context>
+    <inkml:brush xml:id="br0">
+      <inkml:brushProperty name="width" value="0.05" units="cm"/>
+      <inkml:brushProperty name="height" value="0.05" units="cm"/>
+      <inkml:brushProperty name="color" value="#004F8B"/>
+    </inkml:brush>
+  </inkml:definitions>
+  <inkml:trace contextRef="#ctx0" brushRef="#br0">37 101 7368 0 0,'9'-12'17809'0'0,"-9"12"-17737"0"0,-5 6 656 0 0,4-5-754 0 0,0 0 0 0 0,0 0 0 0 0,0 0 0 0 0,-1 0 0 0 0,1-1 1 0 0,0 1-1 0 0,-1 0 0 0 0,1-1 0 0 0,-1 1 0 0 0,1-1 0 0 0,-1 1 0 0 0,1-1 0 0 0,-2 0 0 0 0,2 0 573 0 0,-2-4 250 0 0,3 4-789 0 0,0 0 0 0 0,0 0 0 0 0,0-1 0 0 0,-1 1 0 0 0,1 0 0 0 0,0 0 0 0 0,0 0 0 0 0,0 0 0 0 0,0 0 0 0 0,0 0 0 0 0,0-1 0 0 0,-1 1 0 0 0,1 0 0 0 0,0 0 0 0 0,0 0 0 0 0,0 0 0 0 0,0-1 0 0 0,0 1 0 0 0,0 0 0 0 0,0 0 0 0 0,0 0 0 0 0,0-1 0 0 0,0 1 0 0 0,0 0 0 0 0,0 0 0 0 0,0 0 0 0 0,0 0 0 0 0,0-1 0 0 0,0 1 0 0 0,0 0 0 0 0,0 0 0 0 0,0 0 0 0 0,0-1 0 0 0,0 1 0 0 0,0 0 0 0 0,0 0 0 0 0,0 0 0 0 0,0 0 0 0 0,1-1 0 0 0,-1 1 0 0 0,0 0 0 0 0,0 0 0 0 0,0 0 0 0 0,0 0 0 0 0,0 0 0 0 0,1-1 0 0 0,-1 1 0 0 0,0 0 0 0 0,0 0 0 0 0,1-1 6 0 0,1-1 28 0 0,1-1 0 0 0,-1 1-1 0 0,1 0 1 0 0,-1 0 0 0 0,1 0 0 0 0,0 0 0 0 0,0 0-1 0 0,0 1 1 0 0,0-1 0 0 0,0 1 0 0 0,0 0 0 0 0,1 0-1 0 0,-1 0 1 0 0,0 0 0 0 0,1 1 0 0 0,-1-1 0 0 0,0 1-1 0 0,1 0 1 0 0,-1 0 0 0 0,1 0 0 0 0,-1 0 0 0 0,0 1-1 0 0,4 0 1 0 0,-6-1-32 0 0,0 0 1 0 0,-1 0-1 0 0,1 0 0 0 0,-1 0 0 0 0,1 1 1 0 0,-1-1-1 0 0,1 0 0 0 0,-1 0 0 0 0,0 0 1 0 0,1 1-1 0 0,-1-1 0 0 0,1 0 0 0 0,-1 0 1 0 0,1 1-1 0 0,-1-1 0 0 0,0 0 0 0 0,1 1 1 0 0,-1-1-1 0 0,1 1 0 0 0,-1-1 0 0 0,0 0 1 0 0,0 1-1 0 0,1-1 0 0 0,-1 1 0 0 0,0-1 1 0 0,0 1-1 0 0,1 0 0 0 0,-1 0-1 0 0,0 0 0 0 0,0 0-1 0 0,0 0 1 0 0,0 0 0 0 0,0 1-1 0 0,0-1 1 0 0,-1 0 0 0 0,1 0-1 0 0,0 0 1 0 0,-1 0 0 0 0,0 2-1 0 0,-1 2 5 0 0,-1 0-1 0 0,0 0 0 0 0,-6 8 0 0 0,8-11 5 0 0,0-1 10 0 0,-13 7-7 0 0,14-7-13 0 0,-1-1-1 0 0,1 0 1 0 0,0 0-1 0 0,0 0 0 0 0,-1 0 1 0 0,1 0-1 0 0,0 1 1 0 0,0-1-1 0 0,0 0 1 0 0,-1 0-1 0 0,1 0 1 0 0,0 0-1 0 0,0 0 1 0 0,-1 0-1 0 0,1 0 1 0 0,0 0-1 0 0,0 0 1 0 0,-1 0-1 0 0,1 0 0 0 0,0 0 1 0 0,0 0-1 0 0,-1 0 1 0 0,1 0-1 0 0,0 0 1 0 0,0-1-1 0 0,-1 1 1 0 0,1 0-1 0 0,0 0 1 0 0,0 0-1 0 0,0 0 1 0 0,-1 0-1 0 0,1 0 1 0 0,0-1-1 0 0,0 1 0 0 0,0 0 1 0 0,0 0-1 0 0,-1 0 1 0 0,1 0-1 0 0,0-1 1 0 0,0 1-1 0 0,0 0 1 0 0,0 0-1 0 0,0-1 1 0 0,0 1-1 0 0,0 0 1 0 0,-1 0-1 0 0,1-1 1 0 0,0 1-1 0 0,0 0 0 0 0,0 0 1 0 0,0 0-1 0 0,0-1 1 0 0,0 1-1 0 0,0 0 1 0 0,0 0-1 0 0,0-1 1 0 0,0 1-1 0 0,0 0 1 0 0,1-1-1 0 0,-1 0 29 0 0,0 0 1 0 0,0-1-1 0 0,0 1 0 0 0,0 0 0 0 0,0 0 1 0 0,0-1-1 0 0,1 1 0 0 0,-1 0 1 0 0,1 0-1 0 0,0-2 0 0 0,2 0-1 0 0,-1 0-1 0 0,1-1 1 0 0,1 2-1 0 0,-1-1 1 0 0,0 0-1 0 0,7-3 1 0 0,-9 5-25 0 0,1 1 0 0 0,-1-1 0 0 0,0 1 0 0 0,0-1 0 0 0,1 1-1 0 0,-1-1 1 0 0,0 1 0 0 0,1 0 0 0 0,-1 0 0 0 0,0 0 0 0 0,1 0 0 0 0,-1 0 0 0 0,0 0 0 0 0,1 0 0 0 0,-1 0 0 0 0,0 0 0 0 0,1 1 0 0 0,-1-1 0 0 0,0 1 0 0 0,1-1 0 0 0,-1 1 0 0 0,0-1 0 0 0,0 1 0 0 0,0 0 0 0 0,0-1 0 0 0,1 1-1 0 0,0 1 1 0 0,-1-1-7 0 0,0 0 0 0 0,-1 0 0 0 0,1-1 0 0 0,0 1 0 0 0,-1 0 0 0 0,1 0 0 0 0,-1 0 0 0 0,1 0 0 0 0,-1 0 0 0 0,1 0 0 0 0,-1 0 0 0 0,1 0 0 0 0,-1 0 0 0 0,0 0 0 0 0,0 0 0 0 0,0 1 0 0 0,1-1 0 0 0,-1 0 0 0 0,0 0 0 0 0,-1 0 0 0 0,1 0 0 0 0,0 2 0 0 0,0-1 16 0 0,0 0-15 0 0,0 0 0 0 0,-1 0-1 0 0,1 0 1 0 0,0 0 0 0 0,0-1-1 0 0,-1 1 1 0 0,1 0 0 0 0,-1 0-1 0 0,0 0 1 0 0,0-1 0 0 0,1 1-1 0 0,-1 0 1 0 0,0-1 0 0 0,0 1-1 0 0,0-1 1 0 0,-1 1 0 0 0,1-1-1 0 0,0 0 1 0 0,-1 1 0 0 0,1-1-1 0 0,-1 0 1 0 0,1 0 0 0 0,-1 0 0 0 0,-2 2-1 0 0,0-2 82 0 0,0 1-1 0 0,-1 0 1 0 0,1-1-1 0 0,0 0 1 0 0,-1 0-1 0 0,0 0 1 0 0,1-1 0 0 0,-9 1-1 0 0,12-3-96 0 0,-1 0 1 0 0,1 0-1 0 0,0 0 1 0 0,1-1-1 0 0,-1 1 1 0 0,0 0-1 0 0,1 0 0 0 0,-2-5 1 0 0,2 6 16 0 0,0-1 1 0 0,0 1-1 0 0,1-1 1 0 0,-1 0-1 0 0,0 1 1 0 0,0-1-1 0 0,1 0 1 0 0,-1 1 0 0 0,1-1-1 0 0,0 1 1 0 0,-1-1-1 0 0,1 1 1 0 0,0-1-1 0 0,0 1 1 0 0,1-2-1 0 0,3-6 40 0 0,-4 6-23 0 0,0 2-11 0 0,-1 0-1 0 0,1-1 1 0 0,-1 1-1 0 0,1 0 0 0 0,0-1 1 0 0,-1 1-1 0 0,1 0 0 0 0,0 0 1 0 0,0 0-1 0 0,0 0 1 0 0,0 0-1 0 0,0 0 0 0 0,0 0 1 0 0,0 0-1 0 0,0 0 1 0 0,0 0-1 0 0,1 0 0 0 0,1 0 1 0 0,-3 0-10 0 0,1 1 1 0 0,-1 0-1 0 0,1 0 0 0 0,-1-1 1 0 0,1 1-1 0 0,-1 0 1 0 0,0 0-1 0 0,1 0 1 0 0,-1 0-1 0 0,1 0 0 0 0,-1 0 1 0 0,1-1-1 0 0,-1 1 1 0 0,1 0-1 0 0,-1 0 1 0 0,1 0-1 0 0,-1 1 0 0 0,1-1 1 0 0,-1 0-1 0 0,1 0 1 0 0,-1 0-1 0 0,1 0 1 0 0,-1 0-1 0 0,1 1 0 0 0,-1-1 1 0 0,0 0-1 0 0,1 0 1 0 0,-1 1-1 0 0,1-1 1 0 0,-1 0-1 0 0,0 1 0 0 0,1-1 1 0 0,-1 0-1 0 0,0 1 1 0 0,1-1-1 0 0,-1 0 1 0 0,0 1-1 0 0,1 0 0 0 0,2 12-3 0 0,-4-8 15 0 0,1-1-1 0 0,-1 0 0 0 0,0 1 1 0 0,0-1-1 0 0,0 0 1 0 0,0 0-1 0 0,-1 0 1 0 0,1 0-1 0 0,-1 0 1 0 0,0 0-1 0 0,-1 0 1 0 0,1 0-1 0 0,-1-1 0 0 0,1 1 1 0 0,-1-1-1 0 0,0 0 1 0 0,0 0-1 0 0,-1 0 1 0 0,1 0-1 0 0,0-1 1 0 0,-1 1-1 0 0,0-1 1 0 0,0 0-1 0 0,0 0 0 0 0,1 0 1 0 0,-9 2-1 0 0,11-3-6 0 0,0-1-1 0 0,0 0 1 0 0,0 0-1 0 0,0 1 1 0 0,0-1 0 0 0,0 0-1 0 0,0 0 1 0 0,0 0-1 0 0,0 0 1 0 0,0 0-1 0 0,1 0 1 0 0,-1-1-1 0 0,0 1 1 0 0,0 0-1 0 0,0 0 1 0 0,0-1-1 0 0,0 1 1 0 0,0 0-1 0 0,0-1 1 0 0,1 1-1 0 0,-1-1 1 0 0,0 1-1 0 0,0-1 1 0 0,0 1 0 0 0,1-1-1 0 0,-1 0 1 0 0,0 1-1 0 0,1-1 1 0 0,-1 0-1 0 0,1 0 1 0 0,-1 1-1 0 0,0-3 1 0 0,0 1 2 0 0,0 1 1 0 0,1-1-1 0 0,-1 0 0 0 0,1 0 1 0 0,0 1-1 0 0,-1-1 1 0 0,1 0-1 0 0,0 0 0 0 0,0 0 1 0 0,0 0-1 0 0,0 1 1 0 0,1-1-1 0 0,-1 0 0 0 0,0 0 1 0 0,1 0-1 0 0,-1 1 1 0 0,2-3-1 0 0,0-3 10 0 0,1 1-1 0 0,0-1 1 0 0,1 1 0 0 0,-1 0-1 0 0,2 0 1 0 0,-1 0 0 0 0,0 0-1 0 0,1 1 1 0 0,0-1 0 0 0,0 1-1 0 0,10-7 1 0 0,-14 11-2 0 0,9 0 54 0 0,-10 1-64 0 0,0 0-3 0 0,1 0-1 0 0,-1 0 0 0 0,0 0 1 0 0,0 0-1 0 0,1 0 1 0 0,-1 0-1 0 0,0 0 0 0 0,1 0 1 0 0,-1 0-1 0 0,0 0 1 0 0,1 0-1 0 0,-1 0 0 0 0,0 1 1 0 0,0-1-1 0 0,1 0 1 0 0,-1 0-1 0 0,0 0 0 0 0,0 0 1 0 0,1 1-1 0 0,-1-1 1 0 0,0 0-1 0 0,0 0 1 0 0,1 0-1 0 0,-1 1 0 0 0,0-1 1 0 0,0 0-1 0 0,0 1 1 0 0,0-1-1 0 0,1 0 0 0 0,-1 0 1 0 0,0 1-1 0 0,0-1 1 0 0,0 0-1 0 0,0 1 0 0 0,0-1 1 0 0,0 0-1 0 0,0 1 1 0 0,0-1-1 0 0,-1 6-1 0 0,0-5 0 0 0,-1 3-3 0 0,0 0 0 0 0,0 0 0 0 0,-1 0 0 0 0,-3 5 1 0 0,4-8-4 0 0,1 1 0 0 0,0-1 1 0 0,-1 0-1 0 0,1 0 1 0 0,-1 0-1 0 0,1 0 0 0 0,-1 0 1 0 0,0-1-1 0 0,1 1 0 0 0,-1 0 1 0 0,0-1-1 0 0,0 1 1 0 0,1-1-1 0 0,-3 1 0 0 0,1-1 19 0 0,0 0 0 0 0,1 1 0 0 0,-1-1 0 0 0,1 0-1 0 0,-1 0 1 0 0,0 0 0 0 0,1-1 0 0 0,-1 1 0 0 0,0-1 0 0 0,-2 0-1 0 0,4 1 0 0 0,1-1 0 0 0,-1 1-1 0 0,0-1 1 0 0,1 1 0 0 0,-1-1 0 0 0,0 1-1 0 0,1-1 1 0 0,-1 0 0 0 0,1 1-1 0 0,-1-1 1 0 0,1 0 0 0 0,-1 1-1 0 0,1-1 1 0 0,0 0 0 0 0,-1 0-1 0 0,1 1 1 0 0,0-1 0 0 0,0 0 0 0 0,-1 0-1 0 0,1 0 1 0 0,0 0 0 0 0,0 1-1 0 0,0-1 1 0 0,0 0 0 0 0,0 0-1 0 0,0 0 1 0 0,0 0 0 0 0,0 1 0 0 0,0-1-1 0 0,1 0 1 0 0,-1 0 0 0 0,0 0-1 0 0,1 0 1 0 0,0-4-6 0 0,1 0 0 0 0,-1 0-1 0 0,1 0 1 0 0,1 0 0 0 0,-1 1 0 0 0,1-1 0 0 0,-1 1 0 0 0,1 0-1 0 0,0 0 1 0 0,6-6 0 0 0,-4 4-6 0 0,-2 3 0 0 0,0 0 0 0 0,-1 0 0 0 0,1 0 0 0 0,1 0 0 0 0,-1 0 0 0 0,0 1 0 0 0,1-1 0 0 0,-1 1 0 0 0,1 0 0 0 0,4-2 0 0 0,-2 3 0 0 0,-6 1 0 0 0,0 0 0 0 0,1 0 0 0 0,-1 0 0 0 0,0 0 0 0 0,1 1 0 0 0,-1-1 0 0 0,0 0 0 0 0,1 0 0 0 0,-1 0 0 0 0,0 0 0 0 0,1 0 0 0 0,-1 1 0 0 0,0-1 0 0 0,1 0 0 0 0,-1 0 0 0 0,0 0 0 0 0,0 1 0 0 0,1-1 0 0 0,-1 0 0 0 0,0 1 0 0 0,0-1 0 0 0,1 0 0 0 0,-1 0 0 0 0,0 1 0 0 0,0-1 0 0 0,0 0 0 0 0,0 1 0 0 0,1-1 0 0 0,-1 0 0 0 0,0 1 0 0 0,0-1 0 0 0,0 1 0 0 0,0-1 0 0 0,0 1 0 0 0,2 6 0 0 0,-4 0 0 0 0,-1-4-161 0 0,1 0 0 0 0,0-1 0 0 0,-1 1 1 0 0,1-1-1 0 0,-1 1 0 0 0,0-1 0 0 0,1 0 0 0 0,-1 0 0 0 0,0-1 1 0 0,-6 3-1 0 0,8-3 63 0 0,-1 0 1 0 0,1-1 0 0 0,-1 1 0 0 0,1-1-1 0 0,-1 1 1 0 0,1-1 0 0 0,-1 0-1 0 0,1 0 1 0 0,-1 1 0 0 0,0-1 0 0 0,1 0-1 0 0,-1-1 1 0 0,1 1 0 0 0,-1 0 0 0 0,1 0-1 0 0,-1-1 1 0 0,0 1 0 0 0,1-1-1 0 0,0 1 1 0 0,-1-1 0 0 0,1 1 0 0 0,-1-1-1 0 0,1 0 1 0 0,0 0 0 0 0,-3-1-1 0 0,1-3-1475 0 0</inkml:trace>
+</inkml:ink>
+</file>
+
+<file path=ppt/ink/ink15.xml><?xml version="1.0" encoding="utf-8"?>
+<inkml:ink xmlns:inkml="http://www.w3.org/2003/InkML">
+  <inkml:definitions>
+    <inkml:context xml:id="ctx0">
+      <inkml:inkSource xml:id="inkSrc0">
+        <inkml:traceFormat>
+          <inkml:channel name="X" type="integer" min="-2.14748E9" max="2.14748E9" units="cm"/>
+          <inkml:channel name="Y" type="integer" min="-2.14748E9" max="2.14748E9" units="cm"/>
+          <inkml:channel name="F" type="integer" max="32767" units="dev"/>
+          <inkml:channel name="OA" type="integer" max="360" units="deg"/>
+          <inkml:channel name="OE" type="integer" max="90" units="deg"/>
+        </inkml:traceFormat>
+        <inkml:channelProperties>
+          <inkml:channelProperty channel="X" name="resolution" value="1000" units="1/cm"/>
+          <inkml:channelProperty channel="Y" name="resolution" value="1000" units="1/cm"/>
+          <inkml:channelProperty channel="F" name="resolution" value="0" units="1/dev"/>
+          <inkml:channelProperty channel="OA" name="resolution" value="1000" units="1/deg"/>
+          <inkml:channelProperty channel="OE" name="resolution" value="1000" units="1/deg"/>
+        </inkml:channelProperties>
+      </inkml:inkSource>
+      <inkml:timestamp xml:id="ts0" timeString="2020-11-16T18:01:13.296"/>
+    </inkml:context>
+    <inkml:brush xml:id="br0">
+      <inkml:brushProperty name="width" value="0.05" units="cm"/>
+      <inkml:brushProperty name="height" value="0.05" units="cm"/>
+      <inkml:brushProperty name="color" value="#004F8B"/>
+    </inkml:brush>
+  </inkml:definitions>
+  <inkml:trace contextRef="#ctx0" brushRef="#br0">1 113 11520 0 0,'0'0'1342'0'0,"0"2"-85"0"0,3 2 417 0 0,2 0-1124 0 0,0-1-1 0 0,0 0 1 0 0,0 0 0 0 0,1 0 0 0 0,-1 0-1 0 0,1-1 1 0 0,0 0 0 0 0,8 2-1 0 0,6 0 439 0 0,25 2-1 0 0,-4-1-496 0 0,18 2 778 0 0,90-1 0 0 0,-62-5-591 0 0,200-13 793 0 0,-287 12-1470 0 0,6-2 331 0 0,-6 0-111 0 0,-12-5-19 0 0,-21-5-48 0 0,-120-40 171 0 0,58 17 107 0 0,56 27-481 0 0,65 8 113 0 0,-19 0-64 0 0,0 0 0 0 0,1-1 0 0 0,-1 0 0 0 0,0 0 0 0 0,13-4 0 0 0,8-2 0 0 0,12 0 9 0 0,58-8 73 0 0,-72 12-9 0 0,33-1 123 0 0,-53 4-149 0 0,0 0 0 0 0,0 0 0 0 0,0 1 0 0 0,0 0 0 0 0,0 0 0 0 0,0 1 0 0 0,8 3 0 0 0,-13-5-24 0 0,0 0 0 0 0,0 1 1 0 0,1-1-1 0 0,-1 1 0 0 0,0 0 0 0 0,0-1 0 0 0,0 1 0 0 0,0 0 0 0 0,0 0 1 0 0,0 0-1 0 0,0-1 0 0 0,0 1 0 0 0,0 0 0 0 0,0 1 0 0 0,0-1 0 0 0,-1 0 1 0 0,1 0-1 0 0,0 0 0 0 0,-1 0 0 0 0,1 0 0 0 0,-1 1 0 0 0,1-1 0 0 0,0 2 1 0 0,-1-1 5 0 0,-1 0 0 0 0,1 0 1 0 0,0 0-1 0 0,-1 0 1 0 0,1 0-1 0 0,-1-1 1 0 0,1 1-1 0 0,-1 0 1 0 0,0-1-1 0 0,0 1 1 0 0,0 0-1 0 0,0-1 1 0 0,0 1-1 0 0,-2 2 0 0 0,-3 3 51 0 0,-1 0-1 0 0,0-1 0 0 0,0 0 0 0 0,-1 0 0 0 0,-12 7 0 0 0,-163 82 513 0 0,165-85-639 0 0,-23 7 1 0 0,40-16-61 0 0</inkml:trace>
+</inkml:ink>
+</file>
+
+<file path=ppt/ink/ink16.xml><?xml version="1.0" encoding="utf-8"?>
+<inkml:ink xmlns:inkml="http://www.w3.org/2003/InkML">
+  <inkml:definitions>
+    <inkml:context xml:id="ctx0">
+      <inkml:inkSource xml:id="inkSrc0">
+        <inkml:traceFormat>
+          <inkml:channel name="X" type="integer" min="-2.14748E9" max="2.14748E9" units="cm"/>
+          <inkml:channel name="Y" type="integer" min="-2.14748E9" max="2.14748E9" units="cm"/>
+          <inkml:channel name="F" type="integer" max="32767" units="dev"/>
+          <inkml:channel name="OA" type="integer" max="360" units="deg"/>
+          <inkml:channel name="OE" type="integer" max="90" units="deg"/>
+        </inkml:traceFormat>
+        <inkml:channelProperties>
+          <inkml:channelProperty channel="X" name="resolution" value="1000" units="1/cm"/>
+          <inkml:channelProperty channel="Y" name="resolution" value="1000" units="1/cm"/>
+          <inkml:channelProperty channel="F" name="resolution" value="0" units="1/dev"/>
+          <inkml:channelProperty channel="OA" name="resolution" value="1000" units="1/deg"/>
+          <inkml:channelProperty channel="OE" name="resolution" value="1000" units="1/deg"/>
+        </inkml:channelProperties>
+      </inkml:inkSource>
+      <inkml:timestamp xml:id="ts0" timeString="2020-11-16T18:01:22.966"/>
+    </inkml:context>
+    <inkml:brush xml:id="br0">
+      <inkml:brushProperty name="width" value="0.05" units="cm"/>
+      <inkml:brushProperty name="height" value="0.05" units="cm"/>
+      <inkml:brushProperty name="color" value="#004F8B"/>
+    </inkml:brush>
+  </inkml:definitions>
+  <inkml:trace contextRef="#ctx0" brushRef="#br0">8 211 2760 0 0,'0'0'7730'0'0,"-7"0"-1940"0"0,21 1-5165 0 0,-11 0-486 0 0,0-1 1 0 0,1 0-1 0 0,-1 0 0 0 0,0 0 1 0 0,0 0-1 0 0,0 0 0 0 0,4-2 0 0 0,7 0 178 0 0,-1 1-1 0 0,0 0 1 0 0,22 1-1 0 0,-20 0-34 0 0,-9 0-137 0 0,146-5 1102 0 0,-50-10-431 0 0,-1 2-201 0 0,53-9-534 0 0,-135 19-48 0 0,29-2-1 0 0,-28 3-1 0 0,26-4-1 0 0,-12 0-7 0 0,1 3 0 0 0,1 0 0 0 0,49 5 0 0 0,-25-1-22 0 0,256 3 116 0 0,-199 0-50 0 0,-56-1 9 0 0,63-4 0 0 0,98-6 48 0 0,-8 1-3 0 0,21 2 245 0 0,-38 2-137 0 0,-101-6-96 0 0,44 0 227 0 0,113-7-248 0 0,-55 1-64 0 0,382 9 422 0 0,-374 13-307 0 0,160 2 175 0 0,-265-9-267 0 0,154-4 194 0 0,540-45 956 0 0,-680 35-949 0 0,-63 6 144 0 0,54 0 0 0 0,-93 8-386 0 0,-10-1-7 0 0,-7-1-12 0 0,-46-8-4397 0 0</inkml:trace>
+</inkml:ink>
+</file>
+
+<file path=ppt/ink/ink2.xml><?xml version="1.0" encoding="utf-8"?>
+<inkml:ink xmlns:inkml="http://www.w3.org/2003/InkML">
+  <inkml:definitions>
+    <inkml:context xml:id="ctx0">
+      <inkml:inkSource xml:id="inkSrc0">
+        <inkml:traceFormat>
+          <inkml:channel name="X" type="integer" min="-2.14748E9" max="2.14748E9" units="cm"/>
+          <inkml:channel name="Y" type="integer" min="-2.14748E9" max="2.14748E9" units="cm"/>
+          <inkml:channel name="F" type="integer" max="32767" units="dev"/>
+          <inkml:channel name="OA" type="integer" max="360" units="deg"/>
+          <inkml:channel name="OE" type="integer" max="90" units="deg"/>
+        </inkml:traceFormat>
+        <inkml:channelProperties>
+          <inkml:channelProperty channel="X" name="resolution" value="1000" units="1/cm"/>
+          <inkml:channelProperty channel="Y" name="resolution" value="1000" units="1/cm"/>
+          <inkml:channelProperty channel="F" name="resolution" value="0" units="1/dev"/>
+          <inkml:channelProperty channel="OA" name="resolution" value="1000" units="1/deg"/>
+          <inkml:channelProperty channel="OE" name="resolution" value="1000" units="1/deg"/>
+        </inkml:channelProperties>
+      </inkml:inkSource>
+      <inkml:timestamp xml:id="ts0" timeString="2020-11-16T18:00:29.877"/>
+    </inkml:context>
+    <inkml:brush xml:id="br0">
+      <inkml:brushProperty name="width" value="0.05" units="cm"/>
+      <inkml:brushProperty name="height" value="0.05" units="cm"/>
+      <inkml:brushProperty name="color" value="#004F8B"/>
+    </inkml:brush>
+  </inkml:definitions>
+  <inkml:trace contextRef="#ctx0" brushRef="#br0">1 22 12840 0 0,'0'0'5334'0'0,"13"0"-3794"0"0,125-10 2119 0 0,-98 5-2954 0 0,-1 2 0 0 0,75 4-1 0 0,43 14 623 0 0,145 17 282 0 0,-204-22-985 0 0,129-4 1 0 0,-219-6-587 0 0,36-1 146 0 0,32 1 153 0 0,-66 0-277 0 0,0 0-1 0 0,1-1 1 0 0,14-2 0 0 0,0-1 66 0 0,-22 3-105 0 0,0 1 0 0 0,0-1-1 0 0,0 0 1 0 0,-1 0-1 0 0,1 0 1 0 0,0-1 0 0 0,0 1-1 0 0,-1 0 1 0 0,1-1-1 0 0,-1 0 1 0 0,1 0-1 0 0,-1 0 1 0 0,0 0 0 0 0,1 0-1 0 0,-1 0 1 0 0,0-1-1 0 0,-1 1 1 0 0,1 0 0 0 0,0-1-1 0 0,-1 0 1 0 0,1 1-1 0 0,-1-1 1 0 0,0 0-1 0 0,1-3 1 0 0,-1 3-40 0 0,-1 2-81 0 0,0-3 25 0 0</inkml:trace>
+</inkml:ink>
+</file>
+
+<file path=ppt/ink/ink3.xml><?xml version="1.0" encoding="utf-8"?>
+<inkml:ink xmlns:inkml="http://www.w3.org/2003/InkML">
+  <inkml:definitions>
+    <inkml:context xml:id="ctx0">
+      <inkml:inkSource xml:id="inkSrc0">
+        <inkml:traceFormat>
+          <inkml:channel name="X" type="integer" min="-2.14748E9" max="2.14748E9" units="cm"/>
+          <inkml:channel name="Y" type="integer" min="-2.14748E9" max="2.14748E9" units="cm"/>
+          <inkml:channel name="F" type="integer" max="32767" units="dev"/>
+          <inkml:channel name="OA" type="integer" max="360" units="deg"/>
+          <inkml:channel name="OE" type="integer" max="90" units="deg"/>
+        </inkml:traceFormat>
+        <inkml:channelProperties>
+          <inkml:channelProperty channel="X" name="resolution" value="1000" units="1/cm"/>
+          <inkml:channelProperty channel="Y" name="resolution" value="1000" units="1/cm"/>
+          <inkml:channelProperty channel="F" name="resolution" value="0" units="1/dev"/>
+          <inkml:channelProperty channel="OA" name="resolution" value="1000" units="1/deg"/>
+          <inkml:channelProperty channel="OE" name="resolution" value="1000" units="1/deg"/>
+        </inkml:channelProperties>
+      </inkml:inkSource>
+      <inkml:timestamp xml:id="ts0" timeString="2020-11-16T18:00:31.400"/>
+    </inkml:context>
+    <inkml:brush xml:id="br0">
+      <inkml:brushProperty name="width" value="0.05" units="cm"/>
+      <inkml:brushProperty name="height" value="0.05" units="cm"/>
+      <inkml:brushProperty name="color" value="#004F8B"/>
+    </inkml:brush>
+  </inkml:definitions>
+  <inkml:trace contextRef="#ctx0" brushRef="#br0">34 1 10592 0 0,'-10'8'1072'0'0,"8"-6"-786"0"0,-1-1 0 0 0,1 1 0 0 0,-1 0 1 0 0,1 0-1 0 0,0 0 0 0 0,0 1 0 0 0,0-1 0 0 0,-3 6 1818 0 0,6 5 636 0 0,0-12-2600 0 0,0 0 0 0 0,0 0 0 0 0,0 0 1 0 0,0 1-1 0 0,0-1 0 0 0,1 0 0 0 0,-1-1 0 0 0,0 1 1 0 0,1 0-1 0 0,-1 0 0 0 0,1 0 0 0 0,-1-1 0 0 0,1 1 1 0 0,1 0-1 0 0,23 4 835 0 0,100 8 1909 0 0,185 9 142 0 0,-239-16-2580 0 0,138 23 589 0 0,-4 18-63 0 0,-200-45-971 0 0,45 10 79 0 0,89 20 344 0 0,-132-31-401 0 0,0 0 0 0 0,0-1 0 0 0,0 0 0 0 0,-1 0 0 0 0,9-2 0 0 0,17 0 243 0 0,-31 1-242 0 0,-1 1 0 0 0,1 0 0 0 0,0-1 0 0 0,0 1 0 0 0,0-1 0 0 0,-1 0 0 0 0,1 1 0 0 0,0-1 1 0 0,-1 0-1 0 0,1 0 0 0 0,-1 0 0 0 0,1 0 0 0 0,-1-1 0 0 0,1 1 0 0 0,-1 0 0 0 0,0-1 0 0 0,2-1 0 0 0,0-3-3334 0 0</inkml:trace>
+</inkml:ink>
+</file>
+
+<file path=ppt/ink/ink4.xml><?xml version="1.0" encoding="utf-8"?>
+<inkml:ink xmlns:inkml="http://www.w3.org/2003/InkML">
+  <inkml:definitions>
+    <inkml:context xml:id="ctx0">
+      <inkml:inkSource xml:id="inkSrc0">
+        <inkml:traceFormat>
+          <inkml:channel name="X" type="integer" min="-2.14748E9" max="2.14748E9" units="cm"/>
+          <inkml:channel name="Y" type="integer" min="-2.14748E9" max="2.14748E9" units="cm"/>
+          <inkml:channel name="F" type="integer" max="32767" units="dev"/>
+          <inkml:channel name="OA" type="integer" max="360" units="deg"/>
+          <inkml:channel name="OE" type="integer" max="90" units="deg"/>
+        </inkml:traceFormat>
+        <inkml:channelProperties>
+          <inkml:channelProperty channel="X" name="resolution" value="1000" units="1/cm"/>
+          <inkml:channelProperty channel="Y" name="resolution" value="1000" units="1/cm"/>
+          <inkml:channelProperty channel="F" name="resolution" value="0" units="1/dev"/>
+          <inkml:channelProperty channel="OA" name="resolution" value="1000" units="1/deg"/>
+          <inkml:channelProperty channel="OE" name="resolution" value="1000" units="1/deg"/>
+        </inkml:channelProperties>
+      </inkml:inkSource>
+      <inkml:timestamp xml:id="ts0" timeString="2020-11-16T18:00:36.069"/>
+    </inkml:context>
+    <inkml:brush xml:id="br0">
+      <inkml:brushProperty name="width" value="0.05" units="cm"/>
+      <inkml:brushProperty name="height" value="0.05" units="cm"/>
+      <inkml:brushProperty name="color" value="#004F8B"/>
+    </inkml:brush>
+  </inkml:definitions>
+  <inkml:trace contextRef="#ctx0" brushRef="#br0">13 153 14512 0 0,'0'0'705'0'0,"-6"-9"168"0"0,5 7-612 0 0,0 0 0 0 0,0 0 1 0 0,0-1-1 0 0,0 1 0 0 0,1 0 0 0 0,0 0 0 0 0,-1-1 0 0 0,1 1 0 0 0,0-5 0 0 0,0 6-53 0 0,0-1 0 0 0,1 1 0 0 0,-1 0-1 0 0,1 0 1 0 0,-1 0 0 0 0,1-1-1 0 0,0 1 1 0 0,-1 0 0 0 0,1 0 0 0 0,0 0-1 0 0,0 0 1 0 0,-1 0 0 0 0,1 0-1 0 0,0 1 1 0 0,0-1 0 0 0,0 0-1 0 0,0 0 1 0 0,0 1 0 0 0,0-1 0 0 0,2-1-1 0 0,19-11 1261 0 0,10-5-564 0 0,98-32-556 0 0,-117 42-693 0 0,-5 3-1565 0 0</inkml:trace>
+</inkml:ink>
+</file>
+
+<file path=ppt/ink/ink5.xml><?xml version="1.0" encoding="utf-8"?>
+<inkml:ink xmlns:inkml="http://www.w3.org/2003/InkML">
+  <inkml:definitions>
+    <inkml:context xml:id="ctx0">
+      <inkml:inkSource xml:id="inkSrc0">
+        <inkml:traceFormat>
+          <inkml:channel name="X" type="integer" min="-2.14748E9" max="2.14748E9" units="cm"/>
+          <inkml:channel name="Y" type="integer" min="-2.14748E9" max="2.14748E9" units="cm"/>
+          <inkml:channel name="F" type="integer" max="32767" units="dev"/>
+          <inkml:channel name="OA" type="integer" max="360" units="deg"/>
+          <inkml:channel name="OE" type="integer" max="90" units="deg"/>
+        </inkml:traceFormat>
+        <inkml:channelProperties>
+          <inkml:channelProperty channel="X" name="resolution" value="1000" units="1/cm"/>
+          <inkml:channelProperty channel="Y" name="resolution" value="1000" units="1/cm"/>
+          <inkml:channelProperty channel="F" name="resolution" value="0" units="1/dev"/>
+          <inkml:channelProperty channel="OA" name="resolution" value="1000" units="1/deg"/>
+          <inkml:channelProperty channel="OE" name="resolution" value="1000" units="1/deg"/>
+        </inkml:channelProperties>
+      </inkml:inkSource>
+      <inkml:timestamp xml:id="ts0" timeString="2020-11-16T18:00:36.466"/>
+    </inkml:context>
+    <inkml:brush xml:id="br0">
+      <inkml:brushProperty name="width" value="0.05" units="cm"/>
+      <inkml:brushProperty name="height" value="0.05" units="cm"/>
+      <inkml:brushProperty name="color" value="#004F8B"/>
+    </inkml:brush>
+  </inkml:definitions>
+  <inkml:trace contextRef="#ctx0" brushRef="#br0">215 1 9672 0 0,'0'0'748'0'0,"-1"0"-492"0"0,0 2 123 0 0,-1 0 0 0 0,1 0 0 0 0,0 0 1 0 0,0 0-1 0 0,0 0 0 0 0,0 0 0 0 0,0 0 1 0 0,0 0-1 0 0,0 0 0 0 0,1 0 1 0 0,-1 1-1 0 0,1-1 0 0 0,-1 0 0 0 0,1 0 1 0 0,0 1-1 0 0,0-1 0 0 0,0 0 0 0 0,1 5 1 0 0,-1 6 880 0 0,-6 76 1224 0 0,4-79-2411 0 0,-36 221 571 0 0,7-87-540 0 0,-16 60 536 0 0,24-98 336 0 0,12-53-400 0 0,-6 18 224 0 0,11-46-547 0 0,-5 39-1 0 0,4-15 195 0 0,6-44-360 0 0,0 0 0 0 0,1 0 0 0 0,-1 0 1 0 0,1-1-1 0 0,0 1 0 0 0,1 0 0 0 0,-1 0 0 0 0,3 7 0 0 0,-3-10-37 0 0,1-1 1 0 0,-1 1-1 0 0,1-1 0 0 0,-1 1 1 0 0,1-1-1 0 0,0 1 1 0 0,0-1-1 0 0,0 0 0 0 0,0 1 1 0 0,0-1-1 0 0,0 0 0 0 0,0 1 1 0 0,0-1-1 0 0,1 0 1 0 0,-1 0-1 0 0,0 0 0 0 0,1 0 1 0 0,-1-1-1 0 0,1 1 0 0 0,-1 0 1 0 0,1 0-1 0 0,-1-1 1 0 0,1 1-1 0 0,-1-1 0 0 0,1 1 1 0 0,3-1-1 0 0,3 1 109 0 0,1 0 29 0 0,1 0 1 0 0,0 0-1 0 0,15-2 0 0 0,-6-1-118 0 0,-1 2 0 0 0,1 1 0 0 0,34 5 0 0 0,-8 4-1420 0 0,-16 2-3250 0 0,-18-5-4145 0 0</inkml:trace>
+</inkml:ink>
+</file>
+
+<file path=ppt/ink/ink6.xml><?xml version="1.0" encoding="utf-8"?>
+<inkml:ink xmlns:inkml="http://www.w3.org/2003/InkML">
+  <inkml:definitions>
+    <inkml:context xml:id="ctx0">
+      <inkml:inkSource xml:id="inkSrc0">
+        <inkml:traceFormat>
+          <inkml:channel name="X" type="integer" min="-2.14748E9" max="2.14748E9" units="cm"/>
+          <inkml:channel name="Y" type="integer" min="-2.14748E9" max="2.14748E9" units="cm"/>
+          <inkml:channel name="F" type="integer" max="32767" units="dev"/>
+          <inkml:channel name="OA" type="integer" max="360" units="deg"/>
+          <inkml:channel name="OE" type="integer" max="90" units="deg"/>
+        </inkml:traceFormat>
+        <inkml:channelProperties>
+          <inkml:channelProperty channel="X" name="resolution" value="1000" units="1/cm"/>
+          <inkml:channelProperty channel="Y" name="resolution" value="1000" units="1/cm"/>
+          <inkml:channelProperty channel="F" name="resolution" value="0" units="1/dev"/>
+          <inkml:channelProperty channel="OA" name="resolution" value="1000" units="1/deg"/>
+          <inkml:channelProperty channel="OE" name="resolution" value="1000" units="1/deg"/>
+        </inkml:channelProperties>
+      </inkml:inkSource>
+      <inkml:timestamp xml:id="ts0" timeString="2020-11-16T18:00:43.714"/>
+    </inkml:context>
+    <inkml:brush xml:id="br0">
+      <inkml:brushProperty name="width" value="0.05" units="cm"/>
+      <inkml:brushProperty name="height" value="0.05" units="cm"/>
+      <inkml:brushProperty name="color" value="#004F8B"/>
+    </inkml:brush>
+  </inkml:definitions>
+  <inkml:trace contextRef="#ctx0" brushRef="#br0">45 241 11976 0 0,'-42'-20'1573'0'0,"42"20"-1424"0"0,0-1-1 0 0,0 1 1 0 0,-1 0 297 0 0,1 0-297 0 0,0-1 0 0 0,0 1-1 0 0,0 0 1 0 0,-1 0 0 0 0,1 0-1 0 0,0-1 1 0 0,0 1 0 0 0,0 0 0 0 0,0 0-1 0 0,0 0 1 0 0,0-1 0 0 0,0 1-1 0 0,0 0 1 0 0,0 0 0 0 0,0-1 0 0 0,0 1-1 0 0,0 0 1 0 0,0 0 0 0 0,0 0-1 0 0,0-1 1 0 0,0 1 0 0 0,0 0-1 0 0,0 0 1 0 0,0-1 0 0 0,0 1 0 0 0,0 0-1 0 0,0 0 1 0 0,0 0 0 0 0,0-1-1 0 0,1 1 1 0 0,-1 0 0 0 0,0 0 0 0 0,0-1 297 0 0,1 1-298 0 0,-1 0 1 0 0,0 0 0 0 0,0 0 0 0 0,0 0-1 0 0,0-1 1 0 0,1 1 0 0 0,-1 0-1 0 0,0 0 1 0 0,10-6 1092 0 0,3 1-727 0 0,0 1 1 0 0,1 0-1 0 0,-1 1 1 0 0,1 0-1 0 0,21-1 0 0 0,73 2-129 0 0,-67 3-159 0 0,74-4 64 0 0,-94 1-198 0 0,1-1-1 0 0,-1-1 1 0 0,27-8-1 0 0,-45 12-62 0 0,1-2 0 0 0,-1 1 0 0 0,0 0 0 0 0,0 0 0 0 0,0-1 0 0 0,0 0 0 0 0,0 0 0 0 0,5-3 0 0 0,-8 4-12 0 0,1 0 1 0 0,0 0-1 0 0,-1 0 1 0 0,1 0-1 0 0,-1 0 0 0 0,1 0 1 0 0,-1 0-1 0 0,1 0 1 0 0,-1 0-1 0 0,0 0 0 0 0,1 0 1 0 0,-1-1-1 0 0,0 1 1 0 0,0 0-1 0 0,0 0 0 0 0,0 0 1 0 0,0 0-1 0 0,0 0 0 0 0,0 0 1 0 0,0-1-1 0 0,-1 1 1 0 0,1 0-1 0 0,0 0 0 0 0,-1 0 1 0 0,1 0-1 0 0,-1 0 1 0 0,1 0-1 0 0,-1 0 0 0 0,1 0 1 0 0,-2-1-1 0 0,-2-4 28 0 0,0-1 1 0 0,-1 2-1 0 0,0-1 0 0 0,0 0 0 0 0,0 1 1 0 0,-1 0-1 0 0,1 0 0 0 0,-1 1 1 0 0,0-1-1 0 0,-8-3 0 0 0,-8-3 36 0 0,-40-15 1 0 0,41 18 4 0 0,31 12 24 0 0,0-1 0 0 0,1-1 1 0 0,-1 0-1 0 0,1-1 0 0 0,12 1 1 0 0,65-3 189 0 0,-55 0-34 0 0,-1 1-1 0 0,46 5 0 0 0,-76-4-249 0 0,-1-1-1 0 0,1 0 0 0 0,0 0 1 0 0,0 1-1 0 0,0-1 0 0 0,-1 1 0 0 0,1-1 1 0 0,0 1-1 0 0,-1 0 0 0 0,1 0 1 0 0,-1 0-1 0 0,1 0 0 0 0,-1 0 0 0 0,1 0 1 0 0,-1 0-1 0 0,0 0 0 0 0,1 1 1 0 0,-1-1-1 0 0,0 0 0 0 0,0 1 1 0 0,0-1-1 0 0,0 1 0 0 0,0-1 0 0 0,0 1 1 0 0,-1 0-1 0 0,1-1 0 0 0,0 1 1 0 0,-1 0-1 0 0,1 0 0 0 0,-1-1 0 0 0,0 1 1 0 0,1 0-1 0 0,-1 0 0 0 0,0 0 1 0 0,0-1-1 0 0,0 1 0 0 0,-1 0 0 0 0,1 2 1 0 0,-2 4 20 0 0,0 0 0 0 0,0 0 1 0 0,-1 0-1 0 0,0 0 0 0 0,-1-1 0 0 0,1 1 1 0 0,-6 6-1 0 0,-14 19 48 0 0,-1-1 0 0 0,-2-1-1 0 0,-45 42 1 0 0,22-24-1659 0 0,47-47 1380 0 0,-10 13-1313 0 0,8-1-2473 0 0</inkml:trace>
+</inkml:ink>
+</file>
+
+<file path=ppt/ink/ink7.xml><?xml version="1.0" encoding="utf-8"?>
+<inkml:ink xmlns:inkml="http://www.w3.org/2003/InkML">
+  <inkml:definitions>
+    <inkml:context xml:id="ctx0">
+      <inkml:inkSource xml:id="inkSrc0">
+        <inkml:traceFormat>
+          <inkml:channel name="X" type="integer" min="-2.14748E9" max="2.14748E9" units="cm"/>
+          <inkml:channel name="Y" type="integer" min="-2.14748E9" max="2.14748E9" units="cm"/>
+          <inkml:channel name="F" type="integer" max="32767" units="dev"/>
+          <inkml:channel name="OA" type="integer" max="360" units="deg"/>
+          <inkml:channel name="OE" type="integer" max="90" units="deg"/>
+        </inkml:traceFormat>
+        <inkml:channelProperties>
+          <inkml:channelProperty channel="X" name="resolution" value="1000" units="1/cm"/>
+          <inkml:channelProperty channel="Y" name="resolution" value="1000" units="1/cm"/>
+          <inkml:channelProperty channel="F" name="resolution" value="0" units="1/dev"/>
+          <inkml:channelProperty channel="OA" name="resolution" value="1000" units="1/deg"/>
+          <inkml:channelProperty channel="OE" name="resolution" value="1000" units="1/deg"/>
+        </inkml:channelProperties>
+      </inkml:inkSource>
+      <inkml:timestamp xml:id="ts0" timeString="2020-11-16T18:00:44.081"/>
+    </inkml:context>
+    <inkml:brush xml:id="br0">
+      <inkml:brushProperty name="width" value="0.05" units="cm"/>
+      <inkml:brushProperty name="height" value="0.05" units="cm"/>
+      <inkml:brushProperty name="color" value="#004F8B"/>
+    </inkml:brush>
+  </inkml:definitions>
+  <inkml:trace contextRef="#ctx0" brushRef="#br0">133 1 20527 0 0,'0'0'2060'0'0,"3"6"-1864"0"0,-2 3-34 0 0,-1-1 0 0 0,0 0 1 0 0,0 1-1 0 0,0-1 0 0 0,-4 16 0 0 0,-12 42 1036 0 0,14-61-1170 0 0,-90 299 517 0 0,90-298-653 0 0,-15 69 432 0 0,15-68-643 0 0,2 0 1 0 0,-1-1 0 0 0,1 1 0 0 0,0 0-1 0 0,0 0 1 0 0,1 0 0 0 0,0 0-1 0 0,3 11 1 0 0,1-5-1193 0 0</inkml:trace>
+</inkml:ink>
+</file>
+
+<file path=ppt/ink/ink8.xml><?xml version="1.0" encoding="utf-8"?>
+<inkml:ink xmlns:inkml="http://www.w3.org/2003/InkML">
+  <inkml:definitions>
+    <inkml:context xml:id="ctx0">
+      <inkml:inkSource xml:id="inkSrc0">
+        <inkml:traceFormat>
+          <inkml:channel name="X" type="integer" min="-2.14748E9" max="2.14748E9" units="cm"/>
+          <inkml:channel name="Y" type="integer" min="-2.14748E9" max="2.14748E9" units="cm"/>
+          <inkml:channel name="F" type="integer" max="32767" units="dev"/>
+          <inkml:channel name="OA" type="integer" max="360" units="deg"/>
+          <inkml:channel name="OE" type="integer" max="90" units="deg"/>
+        </inkml:traceFormat>
+        <inkml:channelProperties>
+          <inkml:channelProperty channel="X" name="resolution" value="1000" units="1/cm"/>
+          <inkml:channelProperty channel="Y" name="resolution" value="1000" units="1/cm"/>
+          <inkml:channelProperty channel="F" name="resolution" value="0" units="1/dev"/>
+          <inkml:channelProperty channel="OA" name="resolution" value="1000" units="1/deg"/>
+          <inkml:channelProperty channel="OE" name="resolution" value="1000" units="1/deg"/>
+        </inkml:channelProperties>
+      </inkml:inkSource>
+      <inkml:timestamp xml:id="ts0" timeString="2020-11-16T18:00:44.810"/>
+    </inkml:context>
+    <inkml:brush xml:id="br0">
+      <inkml:brushProperty name="width" value="0.05" units="cm"/>
+      <inkml:brushProperty name="height" value="0.05" units="cm"/>
+      <inkml:brushProperty name="color" value="#004F8B"/>
+    </inkml:brush>
+  </inkml:definitions>
+  <inkml:trace contextRef="#ctx0" brushRef="#br0">53 141 6912 0 0,'0'0'528'0'0,"3"-13"-142"0"0,5-11 3996 0 0,-6 19-3825 0 0,0-1 0 0 0,0 1-1 0 0,-1 0 1 0 0,1-1 0 0 0,-1 0 0 0 0,0-6 0 0 0,5-17 1746 0 0,0 0 2647 0 0,-6 31-4644 0 0,-1 6-148 0 0,0 1 0 0 0,-1-1 0 0 0,-2 10 0 0 0,-2 6-34 0 0,-8 46 46 0 0,-9 45 46 0 0,-10 142 0 0 0,32-244-185 0 0,0 42 219 0 0,1-51-213 0 0,0 0-1 0 0,1 1 1 0 0,-1-1 0 0 0,1 0 0 0 0,0 1-1 0 0,1-1 1 0 0,-1 0 0 0 0,1 0-1 0 0,3 7 1 0 0,-4-10-24 0 0,-1 0-1 0 0,1-1 1 0 0,0 1-1 0 0,-1-1 1 0 0,1 1-1 0 0,0-1 1 0 0,0 1-1 0 0,-1-1 0 0 0,1 1 1 0 0,0-1-1 0 0,0 1 1 0 0,0-1-1 0 0,0 0 1 0 0,-1 1-1 0 0,1-1 1 0 0,0 0-1 0 0,0 0 1 0 0,0 0-1 0 0,0 0 1 0 0,0 0-1 0 0,0 0 1 0 0,0 0-1 0 0,0 0 1 0 0,0 0-1 0 0,0 0 0 0 0,-1-1 1 0 0,1 1-1 0 0,0 0 1 0 0,0-1-1 0 0,0 1 1 0 0,0 0-1 0 0,0-1 1 0 0,-1 1-1 0 0,1-1 1 0 0,1 0-1 0 0,2-2 67 0 0,0 0 0 0 0,0 0 0 0 0,0 0 0 0 0,0 0 0 0 0,3-5 0 0 0,31-40 648 0 0,-31 37-511 0 0,2 0-1 0 0,-1 1 1 0 0,1-1 0 0 0,0 2-1 0 0,21-17 1 0 0,-28 24-207 0 0,0 1 0 0 0,-1 0 0 0 0,1 0 0 0 0,0 0 0 0 0,0 1 0 0 0,0-1 0 0 0,0 0 0 0 0,0 1 0 0 0,0-1 0 0 0,0 1 0 0 0,0 0 0 0 0,0 0 0 0 0,0 0 0 0 0,0-1 0 0 0,0 2 0 0 0,0-1 0 0 0,0 0 0 0 0,0 0 0 0 0,0 1 0 0 0,0-1 0 0 0,0 1 0 0 0,-1 0 0 0 0,1-1 0 0 0,0 1 0 0 0,0 0 0 0 0,0 0 0 0 0,-1 0 0 0 0,1 0 0 0 0,0 1 0 0 0,-1-1 0 0 0,1 0 0 0 0,-1 1 0 0 0,0-1 0 0 0,1 1 0 0 0,1 2 0 0 0,1 1 16 0 0,0 1-1 0 0,0 0 0 0 0,-1 0 1 0 0,1 1-1 0 0,-1-1 1 0 0,-1 1-1 0 0,1-1 1 0 0,2 14-1 0 0,-3-9-23 0 0,-1 0 1 0 0,-1 15-1 0 0,0-17-6 0 0,0 0 0 0 0,1 1 0 0 0,3 17 0 0 0,-1-16 73 0 0,-3-9-207 0 0,0 0 0 0 0,0 0 1 0 0,1 0-1 0 0,-1 0 1 0 0,1 0-1 0 0,-1 0 1 0 0,1 0-1 0 0,1 2 1 0 0,-2-4 24 0 0,1 0 0 0 0,-1 1 0 0 0,1-1 0 0 0,-1 0 0 0 0,0 1 0 0 0,1-1 0 0 0,-1 0 0 0 0,1 0 0 0 0,-1 0 0 0 0,1 1 0 0 0,-1-1 1 0 0,1 0-1 0 0,-1 0 0 0 0,1 0 0 0 0,-1 0 0 0 0,1 0 0 0 0,0 0 0 0 0,-1 0 0 0 0,1 0 0 0 0,-1 0 0 0 0,1 0 0 0 0,-1 0 0 0 0,1 0 1 0 0,-1 0-1 0 0,1-1 0 0 0,-1 1 0 0 0,1 0 0 0 0,-1 0 0 0 0,1 0 0 0 0,-1-1 0 0 0,1 1 0 0 0,-1 0 0 0 0,0-1 0 0 0,1 1 0 0 0,-1 0 1 0 0,1-1-1 0 0,19-17-3688 0 0,-9 8 1766 0 0</inkml:trace>
+</inkml:ink>
+</file>
+
+<file path=ppt/ink/ink9.xml><?xml version="1.0" encoding="utf-8"?>
+<inkml:ink xmlns:inkml="http://www.w3.org/2003/InkML">
+  <inkml:definitions>
+    <inkml:context xml:id="ctx0">
+      <inkml:inkSource xml:id="inkSrc0">
+        <inkml:traceFormat>
+          <inkml:channel name="X" type="integer" min="-2.14748E9" max="2.14748E9" units="cm"/>
+          <inkml:channel name="Y" type="integer" min="-2.14748E9" max="2.14748E9" units="cm"/>
+          <inkml:channel name="F" type="integer" max="32767" units="dev"/>
+          <inkml:channel name="OA" type="integer" max="360" units="deg"/>
+          <inkml:channel name="OE" type="integer" max="90" units="deg"/>
+        </inkml:traceFormat>
+        <inkml:channelProperties>
+          <inkml:channelProperty channel="X" name="resolution" value="1000" units="1/cm"/>
+          <inkml:channelProperty channel="Y" name="resolution" value="1000" units="1/cm"/>
+          <inkml:channelProperty channel="F" name="resolution" value="0" units="1/dev"/>
+          <inkml:channelProperty channel="OA" name="resolution" value="1000" units="1/deg"/>
+          <inkml:channelProperty channel="OE" name="resolution" value="1000" units="1/deg"/>
+        </inkml:channelProperties>
+      </inkml:inkSource>
+      <inkml:timestamp xml:id="ts0" timeString="2020-11-16T18:00:45.157"/>
+    </inkml:context>
+    <inkml:brush xml:id="br0">
+      <inkml:brushProperty name="width" value="0.05" units="cm"/>
+      <inkml:brushProperty name="height" value="0.05" units="cm"/>
+      <inkml:brushProperty name="color" value="#004F8B"/>
+    </inkml:brush>
+  </inkml:definitions>
+  <inkml:trace contextRef="#ctx0" brushRef="#br0">176 51 8752 0 0,'0'-2'228'0'0,"1"-1"0"0"0,0 0 0 0 0,-1 1 0 0 0,1-1 1 0 0,-1 0-1 0 0,0 0 0 0 0,0 1 0 0 0,0-1 0 0 0,0 0 1 0 0,-1 0-1 0 0,0-4 0 0 0,0 7-28 0 0,1-1-1 0 0,0 0 1 0 0,-1 0-1 0 0,1 0 1 0 0,-1 1-1 0 0,1-1 1 0 0,-1 0 0 0 0,1 1-1 0 0,-1-1 1 0 0,0 0-1 0 0,1 1 1 0 0,-1-1 0 0 0,0 1-1 0 0,1-1 1 0 0,-1 1-1 0 0,0-1 1 0 0,0 1-1 0 0,0-1 1 0 0,1 1 0 0 0,-1 0-1 0 0,0 0 1 0 0,0-1-1 0 0,0 1 1 0 0,0 0 0 0 0,0 0-1 0 0,0 0 1 0 0,1 0-1 0 0,-1 0 1 0 0,0 0-1 0 0,0 0 1 0 0,0 0 0 0 0,0 0-1 0 0,0 0 1 0 0,0 1-1 0 0,1-1 1 0 0,-1 0 0 0 0,-2 1-1 0 0,-3 2 104 0 0,-1 0-1 0 0,0 0 1 0 0,1 1 0 0 0,0-1 0 0 0,-1 1-1 0 0,1 1 1 0 0,1-1 0 0 0,-1 1-1 0 0,1 0 1 0 0,0 0 0 0 0,0 1-1 0 0,-4 6 1 0 0,-3 4 57 0 0,2 0 0 0 0,0 1 1 0 0,-9 23-1 0 0,16-33-132 0 0,0 0 0 0 0,1 1-1 0 0,0-1 1 0 0,-1 15 0 0 0,1-8-250 0 0,2-13 35 0 0,0-1-1 0 0,0 1 0 0 0,-1 0 0 0 0,1-1 1 0 0,0 1-1 0 0,0 0 0 0 0,0-1 1 0 0,0 1-1 0 0,0 0 0 0 0,0-1 1 0 0,0 1-1 0 0,1 0 0 0 0,-1 0 1 0 0,0-1-1 0 0,0 1 0 0 0,0-1 0 0 0,1 1 1 0 0,-1 0-1 0 0,0-1 0 0 0,1 1 1 0 0,-1 0-1 0 0,0-1 0 0 0,1 1 1 0 0,-1-1-1 0 0,2 2 0 0 0,-1-2 32 0 0,0 0 0 0 0,0 1 0 0 0,0-1 0 0 0,0 0 0 0 0,0 0 0 0 0,0 0 0 0 0,0 0 0 0 0,0 0 0 0 0,0 0 0 0 0,0 0 0 0 0,0 0 0 0 0,-1 0 0 0 0,1 0 0 0 0,0 0 0 0 0,2-1 0 0 0,3-1 161 0 0,0-1 0 0 0,0 0 0 0 0,0 0-1 0 0,7-5 1 0 0,2-3-734 0 0,-1-1 1 0 0,-1 0-1 0 0,23-27 0 0 0,-10 9-360 0 0,-14 15-2881 0 0</inkml:trace>
+</inkml:ink>
 </file>
 
 <file path=ppt/notesMasters/notesMaster1.xml><?xml version="1.0" encoding="utf-8"?>
@@ -838,7 +1350,7 @@
           <a:p>
             <a:fld id="{3A2BF66F-FEB0-48C1-A8B9-A73F54BB1A08}" type="datetimeFigureOut">
               <a:rPr lang="en-US" smtClean="0"/>
-              <a:t>11/15/2020</a:t>
+              <a:t>11/16/2020</a:t>
             </a:fld>
             <a:endParaRPr lang="en-US"/>
           </a:p>
@@ -1038,7 +1550,7 @@
           <a:p>
             <a:fld id="{3A2BF66F-FEB0-48C1-A8B9-A73F54BB1A08}" type="datetimeFigureOut">
               <a:rPr lang="en-US" smtClean="0"/>
-              <a:t>11/15/2020</a:t>
+              <a:t>11/16/2020</a:t>
             </a:fld>
             <a:endParaRPr lang="en-US"/>
           </a:p>
@@ -1248,7 +1760,7 @@
           <a:p>
             <a:fld id="{3A2BF66F-FEB0-48C1-A8B9-A73F54BB1A08}" type="datetimeFigureOut">
               <a:rPr lang="en-US" smtClean="0"/>
-              <a:t>11/15/2020</a:t>
+              <a:t>11/16/2020</a:t>
             </a:fld>
             <a:endParaRPr lang="en-US"/>
           </a:p>
@@ -1448,7 +1960,7 @@
           <a:p>
             <a:fld id="{3A2BF66F-FEB0-48C1-A8B9-A73F54BB1A08}" type="datetimeFigureOut">
               <a:rPr lang="en-US" smtClean="0"/>
-              <a:t>11/15/2020</a:t>
+              <a:t>11/16/2020</a:t>
             </a:fld>
             <a:endParaRPr lang="en-US"/>
           </a:p>
@@ -1725,7 +2237,7 @@
           <a:p>
             <a:fld id="{3A2BF66F-FEB0-48C1-A8B9-A73F54BB1A08}" type="datetimeFigureOut">
               <a:rPr lang="en-US" smtClean="0"/>
-              <a:t>11/15/2020</a:t>
+              <a:t>11/16/2020</a:t>
             </a:fld>
             <a:endParaRPr lang="en-US"/>
           </a:p>
@@ -1992,7 +2504,7 @@
           <a:p>
             <a:fld id="{3A2BF66F-FEB0-48C1-A8B9-A73F54BB1A08}" type="datetimeFigureOut">
               <a:rPr lang="en-US" smtClean="0"/>
-              <a:t>11/15/2020</a:t>
+              <a:t>11/16/2020</a:t>
             </a:fld>
             <a:endParaRPr lang="en-US"/>
           </a:p>
@@ -2406,7 +2918,7 @@
           <a:p>
             <a:fld id="{3A2BF66F-FEB0-48C1-A8B9-A73F54BB1A08}" type="datetimeFigureOut">
               <a:rPr lang="en-US" smtClean="0"/>
-              <a:t>11/15/2020</a:t>
+              <a:t>11/16/2020</a:t>
             </a:fld>
             <a:endParaRPr lang="en-US"/>
           </a:p>
@@ -2549,7 +3061,7 @@
           <a:p>
             <a:fld id="{3A2BF66F-FEB0-48C1-A8B9-A73F54BB1A08}" type="datetimeFigureOut">
               <a:rPr lang="en-US" smtClean="0"/>
-              <a:t>11/15/2020</a:t>
+              <a:t>11/16/2020</a:t>
             </a:fld>
             <a:endParaRPr lang="en-US"/>
           </a:p>
@@ -2664,7 +3176,7 @@
           <a:p>
             <a:fld id="{3A2BF66F-FEB0-48C1-A8B9-A73F54BB1A08}" type="datetimeFigureOut">
               <a:rPr lang="en-US" smtClean="0"/>
-              <a:t>11/15/2020</a:t>
+              <a:t>11/16/2020</a:t>
             </a:fld>
             <a:endParaRPr lang="en-US"/>
           </a:p>
@@ -2976,7 +3488,7 @@
           <a:p>
             <a:fld id="{3A2BF66F-FEB0-48C1-A8B9-A73F54BB1A08}" type="datetimeFigureOut">
               <a:rPr lang="en-US" smtClean="0"/>
-              <a:t>11/15/2020</a:t>
+              <a:t>11/16/2020</a:t>
             </a:fld>
             <a:endParaRPr lang="en-US"/>
           </a:p>
@@ -3266,7 +3778,7 @@
           <a:p>
             <a:fld id="{3A2BF66F-FEB0-48C1-A8B9-A73F54BB1A08}" type="datetimeFigureOut">
               <a:rPr lang="en-US" smtClean="0"/>
-              <a:t>11/15/2020</a:t>
+              <a:t>11/16/2020</a:t>
             </a:fld>
             <a:endParaRPr lang="en-US"/>
           </a:p>
@@ -3509,7 +4021,7 @@
           <a:p>
             <a:fld id="{3A2BF66F-FEB0-48C1-A8B9-A73F54BB1A08}" type="datetimeFigureOut">
               <a:rPr lang="en-US" smtClean="0"/>
-              <a:t>11/15/2020</a:t>
+              <a:t>11/16/2020</a:t>
             </a:fld>
             <a:endParaRPr lang="en-US"/>
           </a:p>
@@ -4236,6 +4748,834 @@
           </a:p>
         </p:txBody>
       </p:sp>
+      <mc:AlternateContent xmlns:mc="http://schemas.openxmlformats.org/markup-compatibility/2006">
+        <mc:Choice xmlns:p14="http://schemas.microsoft.com/office/powerpoint/2010/main" Requires="p14">
+          <p:contentPart p14:bwMode="auto" r:id="rId2">
+            <p14:nvContentPartPr>
+              <p14:cNvPr id="4" name="Ink 3">
+                <a:extLst>
+                  <a:ext uri="{FF2B5EF4-FFF2-40B4-BE49-F238E27FC236}">
+                    <a16:creationId xmlns:a16="http://schemas.microsoft.com/office/drawing/2014/main" id="{374D37CD-559F-4555-8DE1-07C0D4D1C1F3}"/>
+                  </a:ext>
+                </a:extLst>
+              </p14:cNvPr>
+              <p14:cNvContentPartPr/>
+              <p14:nvPr/>
+            </p14:nvContentPartPr>
+            <p14:xfrm>
+              <a:off x="2175769" y="1648699"/>
+              <a:ext cx="609120" cy="18000"/>
+            </p14:xfrm>
+          </p:contentPart>
+        </mc:Choice>
+        <mc:Fallback>
+          <p:pic>
+            <p:nvPicPr>
+              <p:cNvPr id="4" name="Ink 3">
+                <a:extLst>
+                  <a:ext uri="{FF2B5EF4-FFF2-40B4-BE49-F238E27FC236}">
+                    <a16:creationId xmlns:a16="http://schemas.microsoft.com/office/drawing/2014/main" id="{374D37CD-559F-4555-8DE1-07C0D4D1C1F3}"/>
+                  </a:ext>
+                </a:extLst>
+              </p:cNvPr>
+              <p:cNvPicPr/>
+              <p:nvPr/>
+            </p:nvPicPr>
+            <p:blipFill>
+              <a:blip r:embed="rId3"/>
+              <a:stretch>
+                <a:fillRect/>
+              </a:stretch>
+            </p:blipFill>
+            <p:spPr>
+              <a:xfrm>
+                <a:off x="2166769" y="1640059"/>
+                <a:ext cx="626760" cy="35640"/>
+              </a:xfrm>
+              <a:prstGeom prst="rect">
+                <a:avLst/>
+              </a:prstGeom>
+            </p:spPr>
+          </p:pic>
+        </mc:Fallback>
+      </mc:AlternateContent>
+      <mc:AlternateContent xmlns:mc="http://schemas.openxmlformats.org/markup-compatibility/2006">
+        <mc:Choice xmlns:p14="http://schemas.microsoft.com/office/powerpoint/2010/main" Requires="p14">
+          <p:contentPart p14:bwMode="auto" r:id="rId4">
+            <p14:nvContentPartPr>
+              <p14:cNvPr id="5" name="Ink 4">
+                <a:extLst>
+                  <a:ext uri="{FF2B5EF4-FFF2-40B4-BE49-F238E27FC236}">
+                    <a16:creationId xmlns:a16="http://schemas.microsoft.com/office/drawing/2014/main" id="{A8AEB5CC-EB03-4E14-B689-AB797CF77746}"/>
+                  </a:ext>
+                </a:extLst>
+              </p14:cNvPr>
+              <p14:cNvContentPartPr/>
+              <p14:nvPr/>
+            </p14:nvContentPartPr>
+            <p14:xfrm>
+              <a:off x="2207089" y="2008339"/>
+              <a:ext cx="502200" cy="24480"/>
+            </p14:xfrm>
+          </p:contentPart>
+        </mc:Choice>
+        <mc:Fallback>
+          <p:pic>
+            <p:nvPicPr>
+              <p:cNvPr id="5" name="Ink 4">
+                <a:extLst>
+                  <a:ext uri="{FF2B5EF4-FFF2-40B4-BE49-F238E27FC236}">
+                    <a16:creationId xmlns:a16="http://schemas.microsoft.com/office/drawing/2014/main" id="{A8AEB5CC-EB03-4E14-B689-AB797CF77746}"/>
+                  </a:ext>
+                </a:extLst>
+              </p:cNvPr>
+              <p:cNvPicPr/>
+              <p:nvPr/>
+            </p:nvPicPr>
+            <p:blipFill>
+              <a:blip r:embed="rId5"/>
+              <a:stretch>
+                <a:fillRect/>
+              </a:stretch>
+            </p:blipFill>
+            <p:spPr>
+              <a:xfrm>
+                <a:off x="2198449" y="1999699"/>
+                <a:ext cx="519840" cy="42120"/>
+              </a:xfrm>
+              <a:prstGeom prst="rect">
+                <a:avLst/>
+              </a:prstGeom>
+            </p:spPr>
+          </p:pic>
+        </mc:Fallback>
+      </mc:AlternateContent>
+      <mc:AlternateContent xmlns:mc="http://schemas.openxmlformats.org/markup-compatibility/2006">
+        <mc:Choice xmlns:p14="http://schemas.microsoft.com/office/powerpoint/2010/main" Requires="p14">
+          <p:contentPart p14:bwMode="auto" r:id="rId6">
+            <p14:nvContentPartPr>
+              <p14:cNvPr id="6" name="Ink 5">
+                <a:extLst>
+                  <a:ext uri="{FF2B5EF4-FFF2-40B4-BE49-F238E27FC236}">
+                    <a16:creationId xmlns:a16="http://schemas.microsoft.com/office/drawing/2014/main" id="{11842BBA-F571-4F26-A2C0-F14E148CC199}"/>
+                  </a:ext>
+                </a:extLst>
+              </p14:cNvPr>
+              <p14:cNvContentPartPr/>
+              <p14:nvPr/>
+            </p14:nvContentPartPr>
+            <p14:xfrm>
+              <a:off x="1820809" y="2374819"/>
+              <a:ext cx="465120" cy="82800"/>
+            </p14:xfrm>
+          </p:contentPart>
+        </mc:Choice>
+        <mc:Fallback>
+          <p:pic>
+            <p:nvPicPr>
+              <p:cNvPr id="6" name="Ink 5">
+                <a:extLst>
+                  <a:ext uri="{FF2B5EF4-FFF2-40B4-BE49-F238E27FC236}">
+                    <a16:creationId xmlns:a16="http://schemas.microsoft.com/office/drawing/2014/main" id="{11842BBA-F571-4F26-A2C0-F14E148CC199}"/>
+                  </a:ext>
+                </a:extLst>
+              </p:cNvPr>
+              <p:cNvPicPr/>
+              <p:nvPr/>
+            </p:nvPicPr>
+            <p:blipFill>
+              <a:blip r:embed="rId7"/>
+              <a:stretch>
+                <a:fillRect/>
+              </a:stretch>
+            </p:blipFill>
+            <p:spPr>
+              <a:xfrm>
+                <a:off x="1812169" y="2366179"/>
+                <a:ext cx="482760" cy="100440"/>
+              </a:xfrm>
+              <a:prstGeom prst="rect">
+                <a:avLst/>
+              </a:prstGeom>
+            </p:spPr>
+          </p:pic>
+        </mc:Fallback>
+      </mc:AlternateContent>
+      <p:grpSp>
+        <p:nvGrpSpPr>
+          <p:cNvPr id="9" name="Group 8">
+            <a:extLst>
+              <a:ext uri="{FF2B5EF4-FFF2-40B4-BE49-F238E27FC236}">
+                <a16:creationId xmlns:a16="http://schemas.microsoft.com/office/drawing/2014/main" id="{36B576EE-CC51-46C6-AC30-DF8687657F35}"/>
+              </a:ext>
+            </a:extLst>
+          </p:cNvPr>
+          <p:cNvGrpSpPr/>
+          <p:nvPr/>
+        </p:nvGrpSpPr>
+        <p:grpSpPr>
+          <a:xfrm>
+            <a:off x="882649" y="2810059"/>
+            <a:ext cx="158400" cy="479880"/>
+            <a:chOff x="882649" y="2810059"/>
+            <a:chExt cx="158400" cy="479880"/>
+          </a:xfrm>
+        </p:grpSpPr>
+        <mc:AlternateContent xmlns:mc="http://schemas.openxmlformats.org/markup-compatibility/2006">
+          <mc:Choice xmlns:p14="http://schemas.microsoft.com/office/powerpoint/2010/main" Requires="p14">
+            <p:contentPart p14:bwMode="auto" r:id="rId8">
+              <p14:nvContentPartPr>
+                <p14:cNvPr id="7" name="Ink 6">
+                  <a:extLst>
+                    <a:ext uri="{FF2B5EF4-FFF2-40B4-BE49-F238E27FC236}">
+                      <a16:creationId xmlns:a16="http://schemas.microsoft.com/office/drawing/2014/main" id="{EE0F84FF-C5D8-4D95-A60B-2331B019BDEC}"/>
+                    </a:ext>
+                  </a:extLst>
+                </p14:cNvPr>
+                <p14:cNvContentPartPr/>
+                <p14:nvPr/>
+              </p14:nvContentPartPr>
+              <p14:xfrm>
+                <a:off x="960769" y="2810059"/>
+                <a:ext cx="80280" cy="55080"/>
+              </p14:xfrm>
+            </p:contentPart>
+          </mc:Choice>
+          <mc:Fallback>
+            <p:pic>
+              <p:nvPicPr>
+                <p:cNvPr id="7" name="Ink 6">
+                  <a:extLst>
+                    <a:ext uri="{FF2B5EF4-FFF2-40B4-BE49-F238E27FC236}">
+                      <a16:creationId xmlns:a16="http://schemas.microsoft.com/office/drawing/2014/main" id="{EE0F84FF-C5D8-4D95-A60B-2331B019BDEC}"/>
+                    </a:ext>
+                  </a:extLst>
+                </p:cNvPr>
+                <p:cNvPicPr/>
+                <p:nvPr/>
+              </p:nvPicPr>
+              <p:blipFill>
+                <a:blip r:embed="rId9"/>
+                <a:stretch>
+                  <a:fillRect/>
+                </a:stretch>
+              </p:blipFill>
+              <p:spPr>
+                <a:xfrm>
+                  <a:off x="952129" y="2801419"/>
+                  <a:ext cx="97920" cy="72720"/>
+                </a:xfrm>
+                <a:prstGeom prst="rect">
+                  <a:avLst/>
+                </a:prstGeom>
+              </p:spPr>
+            </p:pic>
+          </mc:Fallback>
+        </mc:AlternateContent>
+        <mc:AlternateContent xmlns:mc="http://schemas.openxmlformats.org/markup-compatibility/2006">
+          <mc:Choice xmlns:p14="http://schemas.microsoft.com/office/powerpoint/2010/main" Requires="p14">
+            <p:contentPart p14:bwMode="auto" r:id="rId10">
+              <p14:nvContentPartPr>
+                <p14:cNvPr id="8" name="Ink 7">
+                  <a:extLst>
+                    <a:ext uri="{FF2B5EF4-FFF2-40B4-BE49-F238E27FC236}">
+                      <a16:creationId xmlns:a16="http://schemas.microsoft.com/office/drawing/2014/main" id="{1F4B7C61-466D-464E-817D-D7B87D93499E}"/>
+                    </a:ext>
+                  </a:extLst>
+                </p14:cNvPr>
+                <p14:cNvContentPartPr/>
+                <p14:nvPr/>
+              </p14:nvContentPartPr>
+              <p14:xfrm>
+                <a:off x="882649" y="2849659"/>
+                <a:ext cx="106200" cy="440280"/>
+              </p14:xfrm>
+            </p:contentPart>
+          </mc:Choice>
+          <mc:Fallback>
+            <p:pic>
+              <p:nvPicPr>
+                <p:cNvPr id="8" name="Ink 7">
+                  <a:extLst>
+                    <a:ext uri="{FF2B5EF4-FFF2-40B4-BE49-F238E27FC236}">
+                      <a16:creationId xmlns:a16="http://schemas.microsoft.com/office/drawing/2014/main" id="{1F4B7C61-466D-464E-817D-D7B87D93499E}"/>
+                    </a:ext>
+                  </a:extLst>
+                </p:cNvPr>
+                <p:cNvPicPr/>
+                <p:nvPr/>
+              </p:nvPicPr>
+              <p:blipFill>
+                <a:blip r:embed="rId11"/>
+                <a:stretch>
+                  <a:fillRect/>
+                </a:stretch>
+              </p:blipFill>
+              <p:spPr>
+                <a:xfrm>
+                  <a:off x="873649" y="2841019"/>
+                  <a:ext cx="123840" cy="457920"/>
+                </a:xfrm>
+                <a:prstGeom prst="rect">
+                  <a:avLst/>
+                </a:prstGeom>
+              </p:spPr>
+            </p:pic>
+          </mc:Fallback>
+        </mc:AlternateContent>
+      </p:grpSp>
+      <p:grpSp>
+        <p:nvGrpSpPr>
+          <p:cNvPr id="16" name="Group 15">
+            <a:extLst>
+              <a:ext uri="{FF2B5EF4-FFF2-40B4-BE49-F238E27FC236}">
+                <a16:creationId xmlns:a16="http://schemas.microsoft.com/office/drawing/2014/main" id="{986E6BEF-0D13-472A-87B5-704A239F95AD}"/>
+              </a:ext>
+            </a:extLst>
+          </p:cNvPr>
+          <p:cNvGrpSpPr/>
+          <p:nvPr/>
+        </p:nvGrpSpPr>
+        <p:grpSpPr>
+          <a:xfrm>
+            <a:off x="4434049" y="2760379"/>
+            <a:ext cx="1131120" cy="311400"/>
+            <a:chOff x="4434049" y="2760379"/>
+            <a:chExt cx="1131120" cy="311400"/>
+          </a:xfrm>
+        </p:grpSpPr>
+        <mc:AlternateContent xmlns:mc="http://schemas.openxmlformats.org/markup-compatibility/2006">
+          <mc:Choice xmlns:p14="http://schemas.microsoft.com/office/powerpoint/2010/main" Requires="p14">
+            <p:contentPart p14:bwMode="auto" r:id="rId12">
+              <p14:nvContentPartPr>
+                <p14:cNvPr id="10" name="Ink 9">
+                  <a:extLst>
+                    <a:ext uri="{FF2B5EF4-FFF2-40B4-BE49-F238E27FC236}">
+                      <a16:creationId xmlns:a16="http://schemas.microsoft.com/office/drawing/2014/main" id="{2B2A5427-01A3-45A2-B270-ADE24AD157B8}"/>
+                    </a:ext>
+                  </a:extLst>
+                </p14:cNvPr>
+                <p14:cNvContentPartPr/>
+                <p14:nvPr/>
+              </p14:nvContentPartPr>
+              <p14:xfrm>
+                <a:off x="4434049" y="2932819"/>
+                <a:ext cx="252360" cy="138960"/>
+              </p14:xfrm>
+            </p:contentPart>
+          </mc:Choice>
+          <mc:Fallback>
+            <p:pic>
+              <p:nvPicPr>
+                <p:cNvPr id="10" name="Ink 9">
+                  <a:extLst>
+                    <a:ext uri="{FF2B5EF4-FFF2-40B4-BE49-F238E27FC236}">
+                      <a16:creationId xmlns:a16="http://schemas.microsoft.com/office/drawing/2014/main" id="{2B2A5427-01A3-45A2-B270-ADE24AD157B8}"/>
+                    </a:ext>
+                  </a:extLst>
+                </p:cNvPr>
+                <p:cNvPicPr/>
+                <p:nvPr/>
+              </p:nvPicPr>
+              <p:blipFill>
+                <a:blip r:embed="rId13"/>
+                <a:stretch>
+                  <a:fillRect/>
+                </a:stretch>
+              </p:blipFill>
+              <p:spPr>
+                <a:xfrm>
+                  <a:off x="4425409" y="2923819"/>
+                  <a:ext cx="270000" cy="156600"/>
+                </a:xfrm>
+                <a:prstGeom prst="rect">
+                  <a:avLst/>
+                </a:prstGeom>
+              </p:spPr>
+            </p:pic>
+          </mc:Fallback>
+        </mc:AlternateContent>
+        <mc:AlternateContent xmlns:mc="http://schemas.openxmlformats.org/markup-compatibility/2006">
+          <mc:Choice xmlns:p14="http://schemas.microsoft.com/office/powerpoint/2010/main" Requires="p14">
+            <p:contentPart p14:bwMode="auto" r:id="rId14">
+              <p14:nvContentPartPr>
+                <p14:cNvPr id="11" name="Ink 10">
+                  <a:extLst>
+                    <a:ext uri="{FF2B5EF4-FFF2-40B4-BE49-F238E27FC236}">
+                      <a16:creationId xmlns:a16="http://schemas.microsoft.com/office/drawing/2014/main" id="{485DB39C-77F7-428D-9A26-518528D5256B}"/>
+                    </a:ext>
+                  </a:extLst>
+                </p14:cNvPr>
+                <p14:cNvContentPartPr/>
+                <p14:nvPr/>
+              </p14:nvContentPartPr>
+              <p14:xfrm>
+                <a:off x="4908169" y="2778379"/>
+                <a:ext cx="49680" cy="221400"/>
+              </p14:xfrm>
+            </p:contentPart>
+          </mc:Choice>
+          <mc:Fallback>
+            <p:pic>
+              <p:nvPicPr>
+                <p:cNvPr id="11" name="Ink 10">
+                  <a:extLst>
+                    <a:ext uri="{FF2B5EF4-FFF2-40B4-BE49-F238E27FC236}">
+                      <a16:creationId xmlns:a16="http://schemas.microsoft.com/office/drawing/2014/main" id="{485DB39C-77F7-428D-9A26-518528D5256B}"/>
+                    </a:ext>
+                  </a:extLst>
+                </p:cNvPr>
+                <p:cNvPicPr/>
+                <p:nvPr/>
+              </p:nvPicPr>
+              <p:blipFill>
+                <a:blip r:embed="rId15"/>
+                <a:stretch>
+                  <a:fillRect/>
+                </a:stretch>
+              </p:blipFill>
+              <p:spPr>
+                <a:xfrm>
+                  <a:off x="4899529" y="2769739"/>
+                  <a:ext cx="67320" cy="239040"/>
+                </a:xfrm>
+                <a:prstGeom prst="rect">
+                  <a:avLst/>
+                </a:prstGeom>
+              </p:spPr>
+            </p:pic>
+          </mc:Fallback>
+        </mc:AlternateContent>
+        <mc:AlternateContent xmlns:mc="http://schemas.openxmlformats.org/markup-compatibility/2006">
+          <mc:Choice xmlns:p14="http://schemas.microsoft.com/office/powerpoint/2010/main" Requires="p14">
+            <p:contentPart p14:bwMode="auto" r:id="rId16">
+              <p14:nvContentPartPr>
+                <p14:cNvPr id="12" name="Ink 11">
+                  <a:extLst>
+                    <a:ext uri="{FF2B5EF4-FFF2-40B4-BE49-F238E27FC236}">
+                      <a16:creationId xmlns:a16="http://schemas.microsoft.com/office/drawing/2014/main" id="{3A5CD7C3-99E1-4787-BB21-C2A668DEAB12}"/>
+                    </a:ext>
+                  </a:extLst>
+                </p14:cNvPr>
+                <p14:cNvContentPartPr/>
+                <p14:nvPr/>
+              </p14:nvContentPartPr>
+              <p14:xfrm>
+                <a:off x="5103289" y="2760379"/>
+                <a:ext cx="124560" cy="252360"/>
+              </p14:xfrm>
+            </p:contentPart>
+          </mc:Choice>
+          <mc:Fallback>
+            <p:pic>
+              <p:nvPicPr>
+                <p:cNvPr id="12" name="Ink 11">
+                  <a:extLst>
+                    <a:ext uri="{FF2B5EF4-FFF2-40B4-BE49-F238E27FC236}">
+                      <a16:creationId xmlns:a16="http://schemas.microsoft.com/office/drawing/2014/main" id="{3A5CD7C3-99E1-4787-BB21-C2A668DEAB12}"/>
+                    </a:ext>
+                  </a:extLst>
+                </p:cNvPr>
+                <p:cNvPicPr/>
+                <p:nvPr/>
+              </p:nvPicPr>
+              <p:blipFill>
+                <a:blip r:embed="rId17"/>
+                <a:stretch>
+                  <a:fillRect/>
+                </a:stretch>
+              </p:blipFill>
+              <p:spPr>
+                <a:xfrm>
+                  <a:off x="5094649" y="2751739"/>
+                  <a:ext cx="142200" cy="270000"/>
+                </a:xfrm>
+                <a:prstGeom prst="rect">
+                  <a:avLst/>
+                </a:prstGeom>
+              </p:spPr>
+            </p:pic>
+          </mc:Fallback>
+        </mc:AlternateContent>
+        <mc:AlternateContent xmlns:mc="http://schemas.openxmlformats.org/markup-compatibility/2006">
+          <mc:Choice xmlns:p14="http://schemas.microsoft.com/office/powerpoint/2010/main" Requires="p14">
+            <p:contentPart p14:bwMode="auto" r:id="rId18">
+              <p14:nvContentPartPr>
+                <p14:cNvPr id="13" name="Ink 12">
+                  <a:extLst>
+                    <a:ext uri="{FF2B5EF4-FFF2-40B4-BE49-F238E27FC236}">
+                      <a16:creationId xmlns:a16="http://schemas.microsoft.com/office/drawing/2014/main" id="{266334E3-522E-42FE-8CDB-FA13DB7CB10E}"/>
+                    </a:ext>
+                  </a:extLst>
+                </p14:cNvPr>
+                <p14:cNvContentPartPr/>
+                <p14:nvPr/>
+              </p14:nvContentPartPr>
+              <p14:xfrm>
+                <a:off x="5227489" y="2910859"/>
+                <a:ext cx="64800" cy="86040"/>
+              </p14:xfrm>
+            </p:contentPart>
+          </mc:Choice>
+          <mc:Fallback>
+            <p:pic>
+              <p:nvPicPr>
+                <p:cNvPr id="13" name="Ink 12">
+                  <a:extLst>
+                    <a:ext uri="{FF2B5EF4-FFF2-40B4-BE49-F238E27FC236}">
+                      <a16:creationId xmlns:a16="http://schemas.microsoft.com/office/drawing/2014/main" id="{266334E3-522E-42FE-8CDB-FA13DB7CB10E}"/>
+                    </a:ext>
+                  </a:extLst>
+                </p:cNvPr>
+                <p:cNvPicPr/>
+                <p:nvPr/>
+              </p:nvPicPr>
+              <p:blipFill>
+                <a:blip r:embed="rId19"/>
+                <a:stretch>
+                  <a:fillRect/>
+                </a:stretch>
+              </p:blipFill>
+              <p:spPr>
+                <a:xfrm>
+                  <a:off x="5218489" y="2902219"/>
+                  <a:ext cx="82440" cy="103680"/>
+                </a:xfrm>
+                <a:prstGeom prst="rect">
+                  <a:avLst/>
+                </a:prstGeom>
+              </p:spPr>
+            </p:pic>
+          </mc:Fallback>
+        </mc:AlternateContent>
+        <mc:AlternateContent xmlns:mc="http://schemas.openxmlformats.org/markup-compatibility/2006">
+          <mc:Choice xmlns:p14="http://schemas.microsoft.com/office/powerpoint/2010/main" Requires="p14">
+            <p:contentPart p14:bwMode="auto" r:id="rId20">
+              <p14:nvContentPartPr>
+                <p14:cNvPr id="14" name="Ink 13">
+                  <a:extLst>
+                    <a:ext uri="{FF2B5EF4-FFF2-40B4-BE49-F238E27FC236}">
+                      <a16:creationId xmlns:a16="http://schemas.microsoft.com/office/drawing/2014/main" id="{03A9AA44-7167-44E4-9614-3AFC18D60E00}"/>
+                    </a:ext>
+                  </a:extLst>
+                </p14:cNvPr>
+                <p14:cNvContentPartPr/>
+                <p14:nvPr/>
+              </p14:nvContentPartPr>
+              <p14:xfrm>
+                <a:off x="5318929" y="2924539"/>
+                <a:ext cx="78480" cy="79200"/>
+              </p14:xfrm>
+            </p:contentPart>
+          </mc:Choice>
+          <mc:Fallback>
+            <p:pic>
+              <p:nvPicPr>
+                <p:cNvPr id="14" name="Ink 13">
+                  <a:extLst>
+                    <a:ext uri="{FF2B5EF4-FFF2-40B4-BE49-F238E27FC236}">
+                      <a16:creationId xmlns:a16="http://schemas.microsoft.com/office/drawing/2014/main" id="{03A9AA44-7167-44E4-9614-3AFC18D60E00}"/>
+                    </a:ext>
+                  </a:extLst>
+                </p:cNvPr>
+                <p:cNvPicPr/>
+                <p:nvPr/>
+              </p:nvPicPr>
+              <p:blipFill>
+                <a:blip r:embed="rId21"/>
+                <a:stretch>
+                  <a:fillRect/>
+                </a:stretch>
+              </p:blipFill>
+              <p:spPr>
+                <a:xfrm>
+                  <a:off x="5310289" y="2915899"/>
+                  <a:ext cx="96120" cy="96840"/>
+                </a:xfrm>
+                <a:prstGeom prst="rect">
+                  <a:avLst/>
+                </a:prstGeom>
+              </p:spPr>
+            </p:pic>
+          </mc:Fallback>
+        </mc:AlternateContent>
+        <mc:AlternateContent xmlns:mc="http://schemas.openxmlformats.org/markup-compatibility/2006">
+          <mc:Choice xmlns:p14="http://schemas.microsoft.com/office/powerpoint/2010/main" Requires="p14">
+            <p:contentPart p14:bwMode="auto" r:id="rId22">
+              <p14:nvContentPartPr>
+                <p14:cNvPr id="15" name="Ink 14">
+                  <a:extLst>
+                    <a:ext uri="{FF2B5EF4-FFF2-40B4-BE49-F238E27FC236}">
+                      <a16:creationId xmlns:a16="http://schemas.microsoft.com/office/drawing/2014/main" id="{19096B3C-DCC6-4E1D-986A-30044E19E75F}"/>
+                    </a:ext>
+                  </a:extLst>
+                </p14:cNvPr>
+                <p14:cNvContentPartPr/>
+                <p14:nvPr/>
+              </p14:nvContentPartPr>
+              <p14:xfrm>
+                <a:off x="5442769" y="2920939"/>
+                <a:ext cx="122400" cy="92520"/>
+              </p14:xfrm>
+            </p:contentPart>
+          </mc:Choice>
+          <mc:Fallback>
+            <p:pic>
+              <p:nvPicPr>
+                <p:cNvPr id="15" name="Ink 14">
+                  <a:extLst>
+                    <a:ext uri="{FF2B5EF4-FFF2-40B4-BE49-F238E27FC236}">
+                      <a16:creationId xmlns:a16="http://schemas.microsoft.com/office/drawing/2014/main" id="{19096B3C-DCC6-4E1D-986A-30044E19E75F}"/>
+                    </a:ext>
+                  </a:extLst>
+                </p:cNvPr>
+                <p:cNvPicPr/>
+                <p:nvPr/>
+              </p:nvPicPr>
+              <p:blipFill>
+                <a:blip r:embed="rId23"/>
+                <a:stretch>
+                  <a:fillRect/>
+                </a:stretch>
+              </p:blipFill>
+              <p:spPr>
+                <a:xfrm>
+                  <a:off x="5433769" y="2911939"/>
+                  <a:ext cx="140040" cy="110160"/>
+                </a:xfrm>
+                <a:prstGeom prst="rect">
+                  <a:avLst/>
+                </a:prstGeom>
+              </p:spPr>
+            </p:pic>
+          </mc:Fallback>
+        </mc:AlternateContent>
+      </p:grpSp>
+      <p:grpSp>
+        <p:nvGrpSpPr>
+          <p:cNvPr id="19" name="Group 18">
+            <a:extLst>
+              <a:ext uri="{FF2B5EF4-FFF2-40B4-BE49-F238E27FC236}">
+                <a16:creationId xmlns:a16="http://schemas.microsoft.com/office/drawing/2014/main" id="{51D3E836-112B-4A2F-8AFF-4350CE43EC04}"/>
+              </a:ext>
+            </a:extLst>
+          </p:cNvPr>
+          <p:cNvGrpSpPr/>
+          <p:nvPr/>
+        </p:nvGrpSpPr>
+        <p:grpSpPr>
+          <a:xfrm>
+            <a:off x="1144729" y="3942259"/>
+            <a:ext cx="207000" cy="823680"/>
+            <a:chOff x="1144729" y="3942259"/>
+            <a:chExt cx="207000" cy="823680"/>
+          </a:xfrm>
+        </p:grpSpPr>
+        <mc:AlternateContent xmlns:mc="http://schemas.openxmlformats.org/markup-compatibility/2006">
+          <mc:Choice xmlns:p14="http://schemas.microsoft.com/office/powerpoint/2010/main" Requires="p14">
+            <p:contentPart p14:bwMode="auto" r:id="rId24">
+              <p14:nvContentPartPr>
+                <p14:cNvPr id="17" name="Ink 16">
+                  <a:extLst>
+                    <a:ext uri="{FF2B5EF4-FFF2-40B4-BE49-F238E27FC236}">
+                      <a16:creationId xmlns:a16="http://schemas.microsoft.com/office/drawing/2014/main" id="{1A4A2FD1-AF75-45FB-8B78-82A8BB394284}"/>
+                    </a:ext>
+                  </a:extLst>
+                </p14:cNvPr>
+                <p14:cNvContentPartPr/>
+                <p14:nvPr/>
+              </p14:nvContentPartPr>
+              <p14:xfrm>
+                <a:off x="1259569" y="3942259"/>
+                <a:ext cx="92160" cy="51840"/>
+              </p14:xfrm>
+            </p:contentPart>
+          </mc:Choice>
+          <mc:Fallback>
+            <p:pic>
+              <p:nvPicPr>
+                <p:cNvPr id="17" name="Ink 16">
+                  <a:extLst>
+                    <a:ext uri="{FF2B5EF4-FFF2-40B4-BE49-F238E27FC236}">
+                      <a16:creationId xmlns:a16="http://schemas.microsoft.com/office/drawing/2014/main" id="{1A4A2FD1-AF75-45FB-8B78-82A8BB394284}"/>
+                    </a:ext>
+                  </a:extLst>
+                </p:cNvPr>
+                <p:cNvPicPr/>
+                <p:nvPr/>
+              </p:nvPicPr>
+              <p:blipFill>
+                <a:blip r:embed="rId25"/>
+                <a:stretch>
+                  <a:fillRect/>
+                </a:stretch>
+              </p:blipFill>
+              <p:spPr>
+                <a:xfrm>
+                  <a:off x="1250929" y="3933259"/>
+                  <a:ext cx="109800" cy="69480"/>
+                </a:xfrm>
+                <a:prstGeom prst="rect">
+                  <a:avLst/>
+                </a:prstGeom>
+              </p:spPr>
+            </p:pic>
+          </mc:Fallback>
+        </mc:AlternateContent>
+        <mc:AlternateContent xmlns:mc="http://schemas.openxmlformats.org/markup-compatibility/2006">
+          <mc:Choice xmlns:p14="http://schemas.microsoft.com/office/powerpoint/2010/main" Requires="p14">
+            <p:contentPart p14:bwMode="auto" r:id="rId26">
+              <p14:nvContentPartPr>
+                <p14:cNvPr id="18" name="Ink 17">
+                  <a:extLst>
+                    <a:ext uri="{FF2B5EF4-FFF2-40B4-BE49-F238E27FC236}">
+                      <a16:creationId xmlns:a16="http://schemas.microsoft.com/office/drawing/2014/main" id="{C361325F-BED9-4726-8478-EA6C4EDF2ED9}"/>
+                    </a:ext>
+                  </a:extLst>
+                </p14:cNvPr>
+                <p14:cNvContentPartPr/>
+                <p14:nvPr/>
+              </p14:nvContentPartPr>
+              <p14:xfrm>
+                <a:off x="1144729" y="3999859"/>
+                <a:ext cx="173520" cy="766080"/>
+              </p14:xfrm>
+            </p:contentPart>
+          </mc:Choice>
+          <mc:Fallback>
+            <p:pic>
+              <p:nvPicPr>
+                <p:cNvPr id="18" name="Ink 17">
+                  <a:extLst>
+                    <a:ext uri="{FF2B5EF4-FFF2-40B4-BE49-F238E27FC236}">
+                      <a16:creationId xmlns:a16="http://schemas.microsoft.com/office/drawing/2014/main" id="{C361325F-BED9-4726-8478-EA6C4EDF2ED9}"/>
+                    </a:ext>
+                  </a:extLst>
+                </p:cNvPr>
+                <p:cNvPicPr/>
+                <p:nvPr/>
+              </p:nvPicPr>
+              <p:blipFill>
+                <a:blip r:embed="rId27"/>
+                <a:stretch>
+                  <a:fillRect/>
+                </a:stretch>
+              </p:blipFill>
+              <p:spPr>
+                <a:xfrm>
+                  <a:off x="1136089" y="3991219"/>
+                  <a:ext cx="191160" cy="783720"/>
+                </a:xfrm>
+                <a:prstGeom prst="rect">
+                  <a:avLst/>
+                </a:prstGeom>
+              </p:spPr>
+            </p:pic>
+          </mc:Fallback>
+        </mc:AlternateContent>
+      </p:grpSp>
+      <mc:AlternateContent xmlns:mc="http://schemas.openxmlformats.org/markup-compatibility/2006">
+        <mc:Choice xmlns:p14="http://schemas.microsoft.com/office/powerpoint/2010/main" Requires="p14">
+          <p:contentPart p14:bwMode="auto" r:id="rId28">
+            <p14:nvContentPartPr>
+              <p14:cNvPr id="20" name="Ink 19">
+                <a:extLst>
+                  <a:ext uri="{FF2B5EF4-FFF2-40B4-BE49-F238E27FC236}">
+                    <a16:creationId xmlns:a16="http://schemas.microsoft.com/office/drawing/2014/main" id="{EB6B1127-52EF-4E4D-9889-6F066D698930}"/>
+                  </a:ext>
+                </a:extLst>
+              </p14:cNvPr>
+              <p14:cNvContentPartPr/>
+              <p14:nvPr/>
+            </p14:nvContentPartPr>
+            <p14:xfrm>
+              <a:off x="1420489" y="3729139"/>
+              <a:ext cx="50040" cy="70920"/>
+            </p14:xfrm>
+          </p:contentPart>
+        </mc:Choice>
+        <mc:Fallback>
+          <p:pic>
+            <p:nvPicPr>
+              <p:cNvPr id="20" name="Ink 19">
+                <a:extLst>
+                  <a:ext uri="{FF2B5EF4-FFF2-40B4-BE49-F238E27FC236}">
+                    <a16:creationId xmlns:a16="http://schemas.microsoft.com/office/drawing/2014/main" id="{EB6B1127-52EF-4E4D-9889-6F066D698930}"/>
+                  </a:ext>
+                </a:extLst>
+              </p:cNvPr>
+              <p:cNvPicPr/>
+              <p:nvPr/>
+            </p:nvPicPr>
+            <p:blipFill>
+              <a:blip r:embed="rId29"/>
+              <a:stretch>
+                <a:fillRect/>
+              </a:stretch>
+            </p:blipFill>
+            <p:spPr>
+              <a:xfrm>
+                <a:off x="1411849" y="3720139"/>
+                <a:ext cx="67680" cy="88560"/>
+              </a:xfrm>
+              <a:prstGeom prst="rect">
+                <a:avLst/>
+              </a:prstGeom>
+            </p:spPr>
+          </p:pic>
+        </mc:Fallback>
+      </mc:AlternateContent>
+      <mc:AlternateContent xmlns:mc="http://schemas.openxmlformats.org/markup-compatibility/2006">
+        <mc:Choice xmlns:p14="http://schemas.microsoft.com/office/powerpoint/2010/main" Requires="p14">
+          <p:contentPart p14:bwMode="auto" r:id="rId30">
+            <p14:nvContentPartPr>
+              <p14:cNvPr id="21" name="Ink 20">
+                <a:extLst>
+                  <a:ext uri="{FF2B5EF4-FFF2-40B4-BE49-F238E27FC236}">
+                    <a16:creationId xmlns:a16="http://schemas.microsoft.com/office/drawing/2014/main" id="{10DBA6B5-E3D1-4511-AD8F-F3F76116DF86}"/>
+                  </a:ext>
+                </a:extLst>
+              </p14:cNvPr>
+              <p14:cNvContentPartPr/>
+              <p14:nvPr/>
+            </p14:nvContentPartPr>
+            <p14:xfrm>
+              <a:off x="644689" y="4302619"/>
+              <a:ext cx="300240" cy="83160"/>
+            </p14:xfrm>
+          </p:contentPart>
+        </mc:Choice>
+        <mc:Fallback>
+          <p:pic>
+            <p:nvPicPr>
+              <p:cNvPr id="21" name="Ink 20">
+                <a:extLst>
+                  <a:ext uri="{FF2B5EF4-FFF2-40B4-BE49-F238E27FC236}">
+                    <a16:creationId xmlns:a16="http://schemas.microsoft.com/office/drawing/2014/main" id="{10DBA6B5-E3D1-4511-AD8F-F3F76116DF86}"/>
+                  </a:ext>
+                </a:extLst>
+              </p:cNvPr>
+              <p:cNvPicPr/>
+              <p:nvPr/>
+            </p:nvPicPr>
+            <p:blipFill>
+              <a:blip r:embed="rId31"/>
+              <a:stretch>
+                <a:fillRect/>
+              </a:stretch>
+            </p:blipFill>
+            <p:spPr>
+              <a:xfrm>
+                <a:off x="636049" y="4293979"/>
+                <a:ext cx="317880" cy="100800"/>
+              </a:xfrm>
+              <a:prstGeom prst="rect">
+                <a:avLst/>
+              </a:prstGeom>
+            </p:spPr>
+          </p:pic>
+        </mc:Fallback>
+      </mc:AlternateContent>
     </p:spTree>
     <p:extLst>
       <p:ext uri="{BB962C8B-B14F-4D97-AF65-F5344CB8AC3E}">
@@ -4331,6 +5671,57 @@
           </a:p>
         </p:txBody>
       </p:sp>
+      <mc:AlternateContent xmlns:mc="http://schemas.openxmlformats.org/markup-compatibility/2006">
+        <mc:Choice xmlns:p14="http://schemas.microsoft.com/office/powerpoint/2010/main" Requires="p14">
+          <p:contentPart p14:bwMode="auto" r:id="rId2">
+            <p14:nvContentPartPr>
+              <p14:cNvPr id="4" name="Ink 3">
+                <a:extLst>
+                  <a:ext uri="{FF2B5EF4-FFF2-40B4-BE49-F238E27FC236}">
+                    <a16:creationId xmlns:a16="http://schemas.microsoft.com/office/drawing/2014/main" id="{D5947367-5F4A-4477-A945-79754856EB80}"/>
+                  </a:ext>
+                </a:extLst>
+              </p14:cNvPr>
+              <p14:cNvContentPartPr/>
+              <p14:nvPr/>
+            </p14:nvContentPartPr>
+            <p14:xfrm>
+              <a:off x="861049" y="1711339"/>
+              <a:ext cx="2087280" cy="77040"/>
+            </p14:xfrm>
+          </p:contentPart>
+        </mc:Choice>
+        <mc:Fallback>
+          <p:pic>
+            <p:nvPicPr>
+              <p:cNvPr id="4" name="Ink 3">
+                <a:extLst>
+                  <a:ext uri="{FF2B5EF4-FFF2-40B4-BE49-F238E27FC236}">
+                    <a16:creationId xmlns:a16="http://schemas.microsoft.com/office/drawing/2014/main" id="{D5947367-5F4A-4477-A945-79754856EB80}"/>
+                  </a:ext>
+                </a:extLst>
+              </p:cNvPr>
+              <p:cNvPicPr/>
+              <p:nvPr/>
+            </p:nvPicPr>
+            <p:blipFill>
+              <a:blip r:embed="rId3"/>
+              <a:stretch>
+                <a:fillRect/>
+              </a:stretch>
+            </p:blipFill>
+            <p:spPr>
+              <a:xfrm>
+                <a:off x="852409" y="1702339"/>
+                <a:ext cx="2104920" cy="94680"/>
+              </a:xfrm>
+              <a:prstGeom prst="rect">
+                <a:avLst/>
+              </a:prstGeom>
+            </p:spPr>
+          </p:pic>
+        </mc:Fallback>
+      </mc:AlternateContent>
     </p:spTree>
     <p:extLst>
       <p:ext uri="{BB962C8B-B14F-4D97-AF65-F5344CB8AC3E}">
